--- a/papers/collaboration/FED/images/graphical abstract.pptx
+++ b/papers/collaboration/FED/images/graphical abstract.pptx
@@ -1,19 +1,114 @@
 
 <file path=ppt/presentation.xml><?xml version="1.0" encoding="utf-8"?>
-<p:presentation xmlns:a="http://schemas.openxmlformats.org/drawingml/2006/main" xmlns:p="http://schemas.openxmlformats.org/presentationml/2006/main" xmlns:r="http://schemas.openxmlformats.org/officeDocument/2006/relationships" xmlns:p14="http://schemas.microsoft.com/office/powerpoint/2010/main" xmlns:p15="http://schemas.microsoft.com/office/powerpoint/2012/main" xmlns:mc="http://schemas.openxmlformats.org/markup-compatibility/2006">
+<p:presentation xmlns:a="http://schemas.openxmlformats.org/drawingml/2006/main" xmlns:r="http://schemas.openxmlformats.org/officeDocument/2006/relationships" xmlns:p="http://schemas.openxmlformats.org/presentationml/2006/main">
   <p:sldMasterIdLst>
-    <p:sldMasterId id="2147483648" r:id="rId2"/>
+    <p:sldMasterId id="2147483648" r:id="rId1"/>
   </p:sldMasterIdLst>
   <p:sldIdLst>
-    <p:sldId id="256" r:id="rId3"/>
+    <p:sldId id="256" r:id="rId2"/>
   </p:sldIdLst>
   <p:sldSz cx="10080625" cy="5670550"/>
   <p:notesSz cx="7772400" cy="10058400"/>
+  <p:defaultTextStyle>
+    <a:defPPr>
+      <a:defRPr lang="en-US"/>
+    </a:defPPr>
+    <a:lvl1pPr marL="0" algn="l" defTabSz="914400" rtl="0" eaLnBrk="1" latinLnBrk="0" hangingPunct="1">
+      <a:defRPr sz="1800" kern="1200">
+        <a:solidFill>
+          <a:schemeClr val="tx1"/>
+        </a:solidFill>
+        <a:latin typeface="+mn-lt"/>
+        <a:ea typeface="+mn-ea"/>
+        <a:cs typeface="+mn-cs"/>
+      </a:defRPr>
+    </a:lvl1pPr>
+    <a:lvl2pPr marL="457200" algn="l" defTabSz="914400" rtl="0" eaLnBrk="1" latinLnBrk="0" hangingPunct="1">
+      <a:defRPr sz="1800" kern="1200">
+        <a:solidFill>
+          <a:schemeClr val="tx1"/>
+        </a:solidFill>
+        <a:latin typeface="+mn-lt"/>
+        <a:ea typeface="+mn-ea"/>
+        <a:cs typeface="+mn-cs"/>
+      </a:defRPr>
+    </a:lvl2pPr>
+    <a:lvl3pPr marL="914400" algn="l" defTabSz="914400" rtl="0" eaLnBrk="1" latinLnBrk="0" hangingPunct="1">
+      <a:defRPr sz="1800" kern="1200">
+        <a:solidFill>
+          <a:schemeClr val="tx1"/>
+        </a:solidFill>
+        <a:latin typeface="+mn-lt"/>
+        <a:ea typeface="+mn-ea"/>
+        <a:cs typeface="+mn-cs"/>
+      </a:defRPr>
+    </a:lvl3pPr>
+    <a:lvl4pPr marL="1371600" algn="l" defTabSz="914400" rtl="0" eaLnBrk="1" latinLnBrk="0" hangingPunct="1">
+      <a:defRPr sz="1800" kern="1200">
+        <a:solidFill>
+          <a:schemeClr val="tx1"/>
+        </a:solidFill>
+        <a:latin typeface="+mn-lt"/>
+        <a:ea typeface="+mn-ea"/>
+        <a:cs typeface="+mn-cs"/>
+      </a:defRPr>
+    </a:lvl4pPr>
+    <a:lvl5pPr marL="1828800" algn="l" defTabSz="914400" rtl="0" eaLnBrk="1" latinLnBrk="0" hangingPunct="1">
+      <a:defRPr sz="1800" kern="1200">
+        <a:solidFill>
+          <a:schemeClr val="tx1"/>
+        </a:solidFill>
+        <a:latin typeface="+mn-lt"/>
+        <a:ea typeface="+mn-ea"/>
+        <a:cs typeface="+mn-cs"/>
+      </a:defRPr>
+    </a:lvl5pPr>
+    <a:lvl6pPr marL="2286000" algn="l" defTabSz="914400" rtl="0" eaLnBrk="1" latinLnBrk="0" hangingPunct="1">
+      <a:defRPr sz="1800" kern="1200">
+        <a:solidFill>
+          <a:schemeClr val="tx1"/>
+        </a:solidFill>
+        <a:latin typeface="+mn-lt"/>
+        <a:ea typeface="+mn-ea"/>
+        <a:cs typeface="+mn-cs"/>
+      </a:defRPr>
+    </a:lvl6pPr>
+    <a:lvl7pPr marL="2743200" algn="l" defTabSz="914400" rtl="0" eaLnBrk="1" latinLnBrk="0" hangingPunct="1">
+      <a:defRPr sz="1800" kern="1200">
+        <a:solidFill>
+          <a:schemeClr val="tx1"/>
+        </a:solidFill>
+        <a:latin typeface="+mn-lt"/>
+        <a:ea typeface="+mn-ea"/>
+        <a:cs typeface="+mn-cs"/>
+      </a:defRPr>
+    </a:lvl7pPr>
+    <a:lvl8pPr marL="3200400" algn="l" defTabSz="914400" rtl="0" eaLnBrk="1" latinLnBrk="0" hangingPunct="1">
+      <a:defRPr sz="1800" kern="1200">
+        <a:solidFill>
+          <a:schemeClr val="tx1"/>
+        </a:solidFill>
+        <a:latin typeface="+mn-lt"/>
+        <a:ea typeface="+mn-ea"/>
+        <a:cs typeface="+mn-cs"/>
+      </a:defRPr>
+    </a:lvl8pPr>
+    <a:lvl9pPr marL="3657600" algn="l" defTabSz="914400" rtl="0" eaLnBrk="1" latinLnBrk="0" hangingPunct="1">
+      <a:defRPr sz="1800" kern="1200">
+        <a:solidFill>
+          <a:schemeClr val="tx1"/>
+        </a:solidFill>
+        <a:latin typeface="+mn-lt"/>
+        <a:ea typeface="+mn-ea"/>
+        <a:cs typeface="+mn-cs"/>
+      </a:defRPr>
+    </a:lvl9pPr>
+  </p:defaultTextStyle>
 </p:presentation>
 </file>
 
 <file path=ppt/slideLayouts/slideLayout1.xml><?xml version="1.0" encoding="utf-8"?>
-<p:sldLayout xmlns:a="http://schemas.openxmlformats.org/drawingml/2006/main" xmlns:p="http://schemas.openxmlformats.org/presentationml/2006/main" xmlns:r="http://schemas.openxmlformats.org/officeDocument/2006/relationships" xmlns:p14="http://schemas.microsoft.com/office/powerpoint/2010/main" xmlns:p15="http://schemas.microsoft.com/office/powerpoint/2012/main" xmlns:mc="http://schemas.openxmlformats.org/markup-compatibility/2006" type="blank" preserve="1">
+<p:sldLayout xmlns:a="http://schemas.openxmlformats.org/drawingml/2006/main" xmlns:r="http://schemas.openxmlformats.org/officeDocument/2006/relationships" xmlns:p="http://schemas.openxmlformats.org/presentationml/2006/main" type="blank" preserve="1">
   <p:cSld name="Blank Slide">
     <p:spTree>
       <p:nvGrpSpPr>
@@ -42,6 +137,7 @@
         <p:spPr/>
         <p:txBody>
           <a:bodyPr/>
+          <a:lstStyle/>
           <a:p>
             <a:r>
               <a:t>Footer</a:t>
@@ -62,10 +158,12 @@
         <p:spPr/>
         <p:txBody>
           <a:bodyPr/>
+          <a:lstStyle/>
           <a:p>
             <a:fld id="{517B26F6-276E-4C11-907D-624F24A8D302}" type="slidenum">
-              <a:t>&lt;#&gt;</a:t>
+              <a:t>‹#›</a:t>
             </a:fld>
+            <a:endParaRPr/>
           </a:p>
         </p:txBody>
       </p:sp>
@@ -82,21 +180,22 @@
         <p:spPr/>
         <p:txBody>
           <a:bodyPr/>
-          <a:p>
-            <a:r>
-              <a:rPr lang="en-US"/>
-              <a:t/>
-            </a:r>
+          <a:lstStyle/>
+          <a:p>
+            <a:endParaRPr/>
           </a:p>
         </p:txBody>
       </p:sp>
     </p:spTree>
   </p:cSld>
+  <p:clrMapOvr>
+    <a:masterClrMapping/>
+  </p:clrMapOvr>
 </p:sldLayout>
 </file>
 
 <file path=ppt/slideLayouts/slideLayout10.xml><?xml version="1.0" encoding="utf-8"?>
-<p:sldLayout xmlns:a="http://schemas.openxmlformats.org/drawingml/2006/main" xmlns:p="http://schemas.openxmlformats.org/presentationml/2006/main" xmlns:r="http://schemas.openxmlformats.org/officeDocument/2006/relationships" xmlns:p14="http://schemas.microsoft.com/office/powerpoint/2010/main" xmlns:p15="http://schemas.microsoft.com/office/powerpoint/2012/main" xmlns:mc="http://schemas.openxmlformats.org/markup-compatibility/2006" type="objOverTx" preserve="1">
+<p:sldLayout xmlns:a="http://schemas.openxmlformats.org/drawingml/2006/main" xmlns:r="http://schemas.openxmlformats.org/officeDocument/2006/relationships" xmlns:p="http://schemas.openxmlformats.org/presentationml/2006/main" type="objOverTx" preserve="1">
   <p:cSld name="Title, Content over Content">
     <p:spTree>
       <p:nvGrpSpPr>
@@ -136,14 +235,15 @@
           </a:ln>
         </p:spPr>
         <p:txBody>
-          <a:bodyPr lIns="0" rIns="0" tIns="0" bIns="0" anchor="ctr">
+          <a:bodyPr lIns="0" tIns="0" rIns="0" bIns="0" anchor="ctr">
             <a:noAutofit/>
           </a:bodyPr>
+          <a:lstStyle/>
           <a:p>
             <a:pPr indent="0" algn="ctr">
               <a:buNone/>
             </a:pPr>
-            <a:endParaRPr b="0" lang="en-US" sz="4400" spc="-1" strike="noStrike">
+            <a:endParaRPr lang="en-US" sz="4400" b="0" strike="noStrike" spc="-1">
               <a:solidFill>
                 <a:srgbClr val="000000"/>
               </a:solidFill>
@@ -176,9 +276,10 @@
           </a:ln>
         </p:spPr>
         <p:txBody>
-          <a:bodyPr lIns="0" rIns="0" tIns="0" bIns="0" anchor="t">
+          <a:bodyPr lIns="0" tIns="0" rIns="0" bIns="0" anchor="t">
             <a:normAutofit/>
           </a:bodyPr>
+          <a:lstStyle/>
           <a:p>
             <a:pPr indent="0">
               <a:spcBef>
@@ -186,7 +287,7 @@
               </a:spcBef>
               <a:buNone/>
             </a:pPr>
-            <a:endParaRPr b="0" lang="en-US" sz="3200" spc="-1" strike="noStrike">
+            <a:endParaRPr lang="en-US" sz="3200" b="0" strike="noStrike" spc="-1">
               <a:solidFill>
                 <a:srgbClr val="000000"/>
               </a:solidFill>
@@ -219,9 +320,10 @@
           </a:ln>
         </p:spPr>
         <p:txBody>
-          <a:bodyPr lIns="0" rIns="0" tIns="0" bIns="0" anchor="t">
+          <a:bodyPr lIns="0" tIns="0" rIns="0" bIns="0" anchor="t">
             <a:normAutofit/>
           </a:bodyPr>
+          <a:lstStyle/>
           <a:p>
             <a:pPr indent="0">
               <a:spcBef>
@@ -229,7 +331,7 @@
               </a:spcBef>
               <a:buNone/>
             </a:pPr>
-            <a:endParaRPr b="0" lang="en-US" sz="3200" spc="-1" strike="noStrike">
+            <a:endParaRPr lang="en-US" sz="3200" b="0" strike="noStrike" spc="-1">
               <a:solidFill>
                 <a:srgbClr val="000000"/>
               </a:solidFill>
@@ -251,6 +353,7 @@
         <p:spPr/>
         <p:txBody>
           <a:bodyPr/>
+          <a:lstStyle/>
           <a:p>
             <a:r>
               <a:t>Footer</a:t>
@@ -271,10 +374,12 @@
         <p:spPr/>
         <p:txBody>
           <a:bodyPr/>
+          <a:lstStyle/>
           <a:p>
             <a:fld id="{B9B92217-0DDD-4A4B-BD79-6B2BDEFEEF43}" type="slidenum">
-              <a:t>&lt;#&gt;</a:t>
+              <a:t>‹#›</a:t>
             </a:fld>
+            <a:endParaRPr/>
           </a:p>
         </p:txBody>
       </p:sp>
@@ -291,21 +396,22 @@
         <p:spPr/>
         <p:txBody>
           <a:bodyPr/>
-          <a:p>
-            <a:r>
-              <a:rPr lang="en-US"/>
-              <a:t/>
-            </a:r>
+          <a:lstStyle/>
+          <a:p>
+            <a:endParaRPr/>
           </a:p>
         </p:txBody>
       </p:sp>
     </p:spTree>
   </p:cSld>
+  <p:clrMapOvr>
+    <a:masterClrMapping/>
+  </p:clrMapOvr>
 </p:sldLayout>
 </file>
 
 <file path=ppt/slideLayouts/slideLayout11.xml><?xml version="1.0" encoding="utf-8"?>
-<p:sldLayout xmlns:a="http://schemas.openxmlformats.org/drawingml/2006/main" xmlns:p="http://schemas.openxmlformats.org/presentationml/2006/main" xmlns:r="http://schemas.openxmlformats.org/officeDocument/2006/relationships" xmlns:p14="http://schemas.microsoft.com/office/powerpoint/2010/main" xmlns:p15="http://schemas.microsoft.com/office/powerpoint/2012/main" xmlns:mc="http://schemas.openxmlformats.org/markup-compatibility/2006" type="fourObj" preserve="1">
+<p:sldLayout xmlns:a="http://schemas.openxmlformats.org/drawingml/2006/main" xmlns:r="http://schemas.openxmlformats.org/officeDocument/2006/relationships" xmlns:p="http://schemas.openxmlformats.org/presentationml/2006/main" type="fourObj" preserve="1">
   <p:cSld name="Title, 4 Content">
     <p:spTree>
       <p:nvGrpSpPr>
@@ -345,14 +451,15 @@
           </a:ln>
         </p:spPr>
         <p:txBody>
-          <a:bodyPr lIns="0" rIns="0" tIns="0" bIns="0" anchor="ctr">
+          <a:bodyPr lIns="0" tIns="0" rIns="0" bIns="0" anchor="ctr">
             <a:noAutofit/>
           </a:bodyPr>
+          <a:lstStyle/>
           <a:p>
             <a:pPr indent="0" algn="ctr">
               <a:buNone/>
             </a:pPr>
-            <a:endParaRPr b="0" lang="en-US" sz="4400" spc="-1" strike="noStrike">
+            <a:endParaRPr lang="en-US" sz="4400" b="0" strike="noStrike" spc="-1">
               <a:solidFill>
                 <a:srgbClr val="000000"/>
               </a:solidFill>
@@ -385,9 +492,10 @@
           </a:ln>
         </p:spPr>
         <p:txBody>
-          <a:bodyPr lIns="0" rIns="0" tIns="0" bIns="0" anchor="t">
+          <a:bodyPr lIns="0" tIns="0" rIns="0" bIns="0" anchor="t">
             <a:normAutofit/>
           </a:bodyPr>
+          <a:lstStyle/>
           <a:p>
             <a:pPr indent="0">
               <a:spcBef>
@@ -395,7 +503,7 @@
               </a:spcBef>
               <a:buNone/>
             </a:pPr>
-            <a:endParaRPr b="0" lang="en-US" sz="3200" spc="-1" strike="noStrike">
+            <a:endParaRPr lang="en-US" sz="3200" b="0" strike="noStrike" spc="-1">
               <a:solidFill>
                 <a:srgbClr val="000000"/>
               </a:solidFill>
@@ -428,9 +536,10 @@
           </a:ln>
         </p:spPr>
         <p:txBody>
-          <a:bodyPr lIns="0" rIns="0" tIns="0" bIns="0" anchor="t">
+          <a:bodyPr lIns="0" tIns="0" rIns="0" bIns="0" anchor="t">
             <a:normAutofit/>
           </a:bodyPr>
+          <a:lstStyle/>
           <a:p>
             <a:pPr indent="0">
               <a:spcBef>
@@ -438,7 +547,7 @@
               </a:spcBef>
               <a:buNone/>
             </a:pPr>
-            <a:endParaRPr b="0" lang="en-US" sz="3200" spc="-1" strike="noStrike">
+            <a:endParaRPr lang="en-US" sz="3200" b="0" strike="noStrike" spc="-1">
               <a:solidFill>
                 <a:srgbClr val="000000"/>
               </a:solidFill>
@@ -471,9 +580,10 @@
           </a:ln>
         </p:spPr>
         <p:txBody>
-          <a:bodyPr lIns="0" rIns="0" tIns="0" bIns="0" anchor="t">
+          <a:bodyPr lIns="0" tIns="0" rIns="0" bIns="0" anchor="t">
             <a:normAutofit/>
           </a:bodyPr>
+          <a:lstStyle/>
           <a:p>
             <a:pPr indent="0">
               <a:spcBef>
@@ -481,7 +591,7 @@
               </a:spcBef>
               <a:buNone/>
             </a:pPr>
-            <a:endParaRPr b="0" lang="en-US" sz="3200" spc="-1" strike="noStrike">
+            <a:endParaRPr lang="en-US" sz="3200" b="0" strike="noStrike" spc="-1">
               <a:solidFill>
                 <a:srgbClr val="000000"/>
               </a:solidFill>
@@ -514,9 +624,10 @@
           </a:ln>
         </p:spPr>
         <p:txBody>
-          <a:bodyPr lIns="0" rIns="0" tIns="0" bIns="0" anchor="t">
+          <a:bodyPr lIns="0" tIns="0" rIns="0" bIns="0" anchor="t">
             <a:normAutofit/>
           </a:bodyPr>
+          <a:lstStyle/>
           <a:p>
             <a:pPr indent="0">
               <a:spcBef>
@@ -524,7 +635,7 @@
               </a:spcBef>
               <a:buNone/>
             </a:pPr>
-            <a:endParaRPr b="0" lang="en-US" sz="3200" spc="-1" strike="noStrike">
+            <a:endParaRPr lang="en-US" sz="3200" b="0" strike="noStrike" spc="-1">
               <a:solidFill>
                 <a:srgbClr val="000000"/>
               </a:solidFill>
@@ -546,6 +657,7 @@
         <p:spPr/>
         <p:txBody>
           <a:bodyPr/>
+          <a:lstStyle/>
           <a:p>
             <a:r>
               <a:t>Footer</a:t>
@@ -566,10 +678,12 @@
         <p:spPr/>
         <p:txBody>
           <a:bodyPr/>
+          <a:lstStyle/>
           <a:p>
             <a:fld id="{8968D7EE-6683-4C7C-95F3-8615A08DC6D5}" type="slidenum">
-              <a:t>&lt;#&gt;</a:t>
+              <a:t>‹#›</a:t>
             </a:fld>
+            <a:endParaRPr/>
           </a:p>
         </p:txBody>
       </p:sp>
@@ -586,21 +700,22 @@
         <p:spPr/>
         <p:txBody>
           <a:bodyPr/>
-          <a:p>
-            <a:r>
-              <a:rPr lang="en-US"/>
-              <a:t/>
-            </a:r>
+          <a:lstStyle/>
+          <a:p>
+            <a:endParaRPr/>
           </a:p>
         </p:txBody>
       </p:sp>
     </p:spTree>
   </p:cSld>
+  <p:clrMapOvr>
+    <a:masterClrMapping/>
+  </p:clrMapOvr>
 </p:sldLayout>
 </file>
 
 <file path=ppt/slideLayouts/slideLayout12.xml><?xml version="1.0" encoding="utf-8"?>
-<p:sldLayout xmlns:a="http://schemas.openxmlformats.org/drawingml/2006/main" xmlns:p="http://schemas.openxmlformats.org/presentationml/2006/main" xmlns:r="http://schemas.openxmlformats.org/officeDocument/2006/relationships" xmlns:p14="http://schemas.microsoft.com/office/powerpoint/2010/main" xmlns:p15="http://schemas.microsoft.com/office/powerpoint/2012/main" xmlns:mc="http://schemas.openxmlformats.org/markup-compatibility/2006" type="blank" preserve="1">
+<p:sldLayout xmlns:a="http://schemas.openxmlformats.org/drawingml/2006/main" xmlns:r="http://schemas.openxmlformats.org/officeDocument/2006/relationships" xmlns:p="http://schemas.openxmlformats.org/presentationml/2006/main" type="blank" preserve="1">
   <p:cSld name="Title, 6 Content">
     <p:spTree>
       <p:nvGrpSpPr>
@@ -640,14 +755,15 @@
           </a:ln>
         </p:spPr>
         <p:txBody>
-          <a:bodyPr lIns="0" rIns="0" tIns="0" bIns="0" anchor="ctr">
+          <a:bodyPr lIns="0" tIns="0" rIns="0" bIns="0" anchor="ctr">
             <a:noAutofit/>
           </a:bodyPr>
+          <a:lstStyle/>
           <a:p>
             <a:pPr indent="0" algn="ctr">
               <a:buNone/>
             </a:pPr>
-            <a:endParaRPr b="0" lang="en-US" sz="4400" spc="-1" strike="noStrike">
+            <a:endParaRPr lang="en-US" sz="4400" b="0" strike="noStrike" spc="-1">
               <a:solidFill>
                 <a:srgbClr val="000000"/>
               </a:solidFill>
@@ -680,9 +796,10 @@
           </a:ln>
         </p:spPr>
         <p:txBody>
-          <a:bodyPr lIns="0" rIns="0" tIns="0" bIns="0" anchor="t">
+          <a:bodyPr lIns="0" tIns="0" rIns="0" bIns="0" anchor="t">
             <a:normAutofit/>
           </a:bodyPr>
+          <a:lstStyle/>
           <a:p>
             <a:pPr indent="0">
               <a:spcBef>
@@ -690,7 +807,7 @@
               </a:spcBef>
               <a:buNone/>
             </a:pPr>
-            <a:endParaRPr b="0" lang="en-US" sz="3200" spc="-1" strike="noStrike">
+            <a:endParaRPr lang="en-US" sz="3200" b="0" strike="noStrike" spc="-1">
               <a:solidFill>
                 <a:srgbClr val="000000"/>
               </a:solidFill>
@@ -723,9 +840,10 @@
           </a:ln>
         </p:spPr>
         <p:txBody>
-          <a:bodyPr lIns="0" rIns="0" tIns="0" bIns="0" anchor="t">
+          <a:bodyPr lIns="0" tIns="0" rIns="0" bIns="0" anchor="t">
             <a:normAutofit/>
           </a:bodyPr>
+          <a:lstStyle/>
           <a:p>
             <a:pPr indent="0">
               <a:spcBef>
@@ -733,7 +851,7 @@
               </a:spcBef>
               <a:buNone/>
             </a:pPr>
-            <a:endParaRPr b="0" lang="en-US" sz="3200" spc="-1" strike="noStrike">
+            <a:endParaRPr lang="en-US" sz="3200" b="0" strike="noStrike" spc="-1">
               <a:solidFill>
                 <a:srgbClr val="000000"/>
               </a:solidFill>
@@ -766,9 +884,10 @@
           </a:ln>
         </p:spPr>
         <p:txBody>
-          <a:bodyPr lIns="0" rIns="0" tIns="0" bIns="0" anchor="t">
+          <a:bodyPr lIns="0" tIns="0" rIns="0" bIns="0" anchor="t">
             <a:normAutofit/>
           </a:bodyPr>
+          <a:lstStyle/>
           <a:p>
             <a:pPr indent="0">
               <a:spcBef>
@@ -776,7 +895,7 @@
               </a:spcBef>
               <a:buNone/>
             </a:pPr>
-            <a:endParaRPr b="0" lang="en-US" sz="3200" spc="-1" strike="noStrike">
+            <a:endParaRPr lang="en-US" sz="3200" b="0" strike="noStrike" spc="-1">
               <a:solidFill>
                 <a:srgbClr val="000000"/>
               </a:solidFill>
@@ -809,9 +928,10 @@
           </a:ln>
         </p:spPr>
         <p:txBody>
-          <a:bodyPr lIns="0" rIns="0" tIns="0" bIns="0" anchor="t">
+          <a:bodyPr lIns="0" tIns="0" rIns="0" bIns="0" anchor="t">
             <a:normAutofit/>
           </a:bodyPr>
+          <a:lstStyle/>
           <a:p>
             <a:pPr indent="0">
               <a:spcBef>
@@ -819,7 +939,7 @@
               </a:spcBef>
               <a:buNone/>
             </a:pPr>
-            <a:endParaRPr b="0" lang="en-US" sz="3200" spc="-1" strike="noStrike">
+            <a:endParaRPr lang="en-US" sz="3200" b="0" strike="noStrike" spc="-1">
               <a:solidFill>
                 <a:srgbClr val="000000"/>
               </a:solidFill>
@@ -852,9 +972,10 @@
           </a:ln>
         </p:spPr>
         <p:txBody>
-          <a:bodyPr lIns="0" rIns="0" tIns="0" bIns="0" anchor="t">
+          <a:bodyPr lIns="0" tIns="0" rIns="0" bIns="0" anchor="t">
             <a:normAutofit/>
           </a:bodyPr>
+          <a:lstStyle/>
           <a:p>
             <a:pPr indent="0">
               <a:spcBef>
@@ -862,7 +983,7 @@
               </a:spcBef>
               <a:buNone/>
             </a:pPr>
-            <a:endParaRPr b="0" lang="en-US" sz="3200" spc="-1" strike="noStrike">
+            <a:endParaRPr lang="en-US" sz="3200" b="0" strike="noStrike" spc="-1">
               <a:solidFill>
                 <a:srgbClr val="000000"/>
               </a:solidFill>
@@ -895,9 +1016,10 @@
           </a:ln>
         </p:spPr>
         <p:txBody>
-          <a:bodyPr lIns="0" rIns="0" tIns="0" bIns="0" anchor="t">
+          <a:bodyPr lIns="0" tIns="0" rIns="0" bIns="0" anchor="t">
             <a:normAutofit/>
           </a:bodyPr>
+          <a:lstStyle/>
           <a:p>
             <a:pPr indent="0">
               <a:spcBef>
@@ -905,7 +1027,7 @@
               </a:spcBef>
               <a:buNone/>
             </a:pPr>
-            <a:endParaRPr b="0" lang="en-US" sz="3200" spc="-1" strike="noStrike">
+            <a:endParaRPr lang="en-US" sz="3200" b="0" strike="noStrike" spc="-1">
               <a:solidFill>
                 <a:srgbClr val="000000"/>
               </a:solidFill>
@@ -927,6 +1049,7 @@
         <p:spPr/>
         <p:txBody>
           <a:bodyPr/>
+          <a:lstStyle/>
           <a:p>
             <a:r>
               <a:t>Footer</a:t>
@@ -947,10 +1070,12 @@
         <p:spPr/>
         <p:txBody>
           <a:bodyPr/>
+          <a:lstStyle/>
           <a:p>
             <a:fld id="{90CADF5F-DD08-4B7D-AC1E-34CFDC77C68F}" type="slidenum">
-              <a:t>&lt;#&gt;</a:t>
+              <a:t>‹#›</a:t>
             </a:fld>
+            <a:endParaRPr/>
           </a:p>
         </p:txBody>
       </p:sp>
@@ -967,21 +1092,22 @@
         <p:spPr/>
         <p:txBody>
           <a:bodyPr/>
-          <a:p>
-            <a:r>
-              <a:rPr lang="en-US"/>
-              <a:t/>
-            </a:r>
+          <a:lstStyle/>
+          <a:p>
+            <a:endParaRPr/>
           </a:p>
         </p:txBody>
       </p:sp>
     </p:spTree>
   </p:cSld>
+  <p:clrMapOvr>
+    <a:masterClrMapping/>
+  </p:clrMapOvr>
 </p:sldLayout>
 </file>
 
 <file path=ppt/slideLayouts/slideLayout2.xml><?xml version="1.0" encoding="utf-8"?>
-<p:sldLayout xmlns:a="http://schemas.openxmlformats.org/drawingml/2006/main" xmlns:p="http://schemas.openxmlformats.org/presentationml/2006/main" xmlns:r="http://schemas.openxmlformats.org/officeDocument/2006/relationships" xmlns:p14="http://schemas.microsoft.com/office/powerpoint/2010/main" xmlns:p15="http://schemas.microsoft.com/office/powerpoint/2012/main" xmlns:mc="http://schemas.openxmlformats.org/markup-compatibility/2006" type="tx" preserve="1">
+<p:sldLayout xmlns:a="http://schemas.openxmlformats.org/drawingml/2006/main" xmlns:r="http://schemas.openxmlformats.org/officeDocument/2006/relationships" xmlns:p="http://schemas.openxmlformats.org/presentationml/2006/main" type="tx" preserve="1">
   <p:cSld name="Title Slide">
     <p:spTree>
       <p:nvGrpSpPr>
@@ -1021,14 +1147,15 @@
           </a:ln>
         </p:spPr>
         <p:txBody>
-          <a:bodyPr lIns="0" rIns="0" tIns="0" bIns="0" anchor="ctr">
+          <a:bodyPr lIns="0" tIns="0" rIns="0" bIns="0" anchor="ctr">
             <a:noAutofit/>
           </a:bodyPr>
+          <a:lstStyle/>
           <a:p>
             <a:pPr indent="0" algn="ctr">
               <a:buNone/>
             </a:pPr>
-            <a:endParaRPr b="0" lang="en-US" sz="4400" spc="-1" strike="noStrike">
+            <a:endParaRPr lang="en-US" sz="4400" b="0" strike="noStrike" spc="-1">
               <a:solidFill>
                 <a:srgbClr val="000000"/>
               </a:solidFill>
@@ -1061,14 +1188,15 @@
           </a:ln>
         </p:spPr>
         <p:txBody>
-          <a:bodyPr lIns="0" rIns="0" tIns="0" bIns="0" anchor="ctr">
+          <a:bodyPr lIns="0" tIns="0" rIns="0" bIns="0" anchor="ctr">
             <a:noAutofit/>
           </a:bodyPr>
+          <a:lstStyle/>
           <a:p>
             <a:pPr indent="0" algn="ctr">
               <a:buNone/>
             </a:pPr>
-            <a:endParaRPr b="0" lang="en-US" sz="3200" spc="-1" strike="noStrike">
+            <a:endParaRPr lang="en-US" sz="3200" b="0" strike="noStrike" spc="-1">
               <a:solidFill>
                 <a:srgbClr val="000000"/>
               </a:solidFill>
@@ -1090,6 +1218,7 @@
         <p:spPr/>
         <p:txBody>
           <a:bodyPr/>
+          <a:lstStyle/>
           <a:p>
             <a:r>
               <a:t>Footer</a:t>
@@ -1099,7 +1228,7 @@
       </p:sp>
       <p:sp>
         <p:nvSpPr>
-          <p:cNvPr id="5" name="PlaceHolder 4"/>
+          <p:cNvPr id="2" name="PlaceHolder 4"/>
           <p:cNvSpPr>
             <a:spLocks noGrp="1"/>
           </p:cNvSpPr>
@@ -1110,16 +1239,18 @@
         <p:spPr/>
         <p:txBody>
           <a:bodyPr/>
+          <a:lstStyle/>
           <a:p>
             <a:fld id="{C78C2AD0-6CD4-4104-A6BB-4AB4AB589076}" type="slidenum">
-              <a:t>&lt;#&gt;</a:t>
+              <a:t>‹#›</a:t>
             </a:fld>
-          </a:p>
-        </p:txBody>
-      </p:sp>
-      <p:sp>
-        <p:nvSpPr>
-          <p:cNvPr id="6" name="PlaceHolder 5"/>
+            <a:endParaRPr/>
+          </a:p>
+        </p:txBody>
+      </p:sp>
+      <p:sp>
+        <p:nvSpPr>
+          <p:cNvPr id="3" name="PlaceHolder 5"/>
           <p:cNvSpPr>
             <a:spLocks noGrp="1"/>
           </p:cNvSpPr>
@@ -1130,21 +1261,22 @@
         <p:spPr/>
         <p:txBody>
           <a:bodyPr/>
-          <a:p>
-            <a:r>
-              <a:rPr lang="en-US"/>
-              <a:t/>
-            </a:r>
+          <a:lstStyle/>
+          <a:p>
+            <a:endParaRPr/>
           </a:p>
         </p:txBody>
       </p:sp>
     </p:spTree>
   </p:cSld>
+  <p:clrMapOvr>
+    <a:masterClrMapping/>
+  </p:clrMapOvr>
 </p:sldLayout>
 </file>
 
 <file path=ppt/slideLayouts/slideLayout3.xml><?xml version="1.0" encoding="utf-8"?>
-<p:sldLayout xmlns:a="http://schemas.openxmlformats.org/drawingml/2006/main" xmlns:p="http://schemas.openxmlformats.org/presentationml/2006/main" xmlns:r="http://schemas.openxmlformats.org/officeDocument/2006/relationships" xmlns:p14="http://schemas.microsoft.com/office/powerpoint/2010/main" xmlns:p15="http://schemas.microsoft.com/office/powerpoint/2012/main" xmlns:mc="http://schemas.openxmlformats.org/markup-compatibility/2006" type="obj" preserve="1">
+<p:sldLayout xmlns:a="http://schemas.openxmlformats.org/drawingml/2006/main" xmlns:r="http://schemas.openxmlformats.org/officeDocument/2006/relationships" xmlns:p="http://schemas.openxmlformats.org/presentationml/2006/main" type="obj" preserve="1">
   <p:cSld name="Title, Content">
     <p:spTree>
       <p:nvGrpSpPr>
@@ -1184,14 +1316,15 @@
           </a:ln>
         </p:spPr>
         <p:txBody>
-          <a:bodyPr lIns="0" rIns="0" tIns="0" bIns="0" anchor="ctr">
+          <a:bodyPr lIns="0" tIns="0" rIns="0" bIns="0" anchor="ctr">
             <a:noAutofit/>
           </a:bodyPr>
+          <a:lstStyle/>
           <a:p>
             <a:pPr indent="0" algn="ctr">
               <a:buNone/>
             </a:pPr>
-            <a:endParaRPr b="0" lang="en-US" sz="4400" spc="-1" strike="noStrike">
+            <a:endParaRPr lang="en-US" sz="4400" b="0" strike="noStrike" spc="-1">
               <a:solidFill>
                 <a:srgbClr val="000000"/>
               </a:solidFill>
@@ -1224,9 +1357,10 @@
           </a:ln>
         </p:spPr>
         <p:txBody>
-          <a:bodyPr lIns="0" rIns="0" tIns="0" bIns="0" anchor="t">
+          <a:bodyPr lIns="0" tIns="0" rIns="0" bIns="0" anchor="t">
             <a:normAutofit/>
           </a:bodyPr>
+          <a:lstStyle/>
           <a:p>
             <a:pPr indent="0">
               <a:spcBef>
@@ -1234,7 +1368,7 @@
               </a:spcBef>
               <a:buNone/>
             </a:pPr>
-            <a:endParaRPr b="0" lang="en-US" sz="3200" spc="-1" strike="noStrike">
+            <a:endParaRPr lang="en-US" sz="3200" b="0" strike="noStrike" spc="-1">
               <a:solidFill>
                 <a:srgbClr val="000000"/>
               </a:solidFill>
@@ -1256,6 +1390,7 @@
         <p:spPr/>
         <p:txBody>
           <a:bodyPr/>
+          <a:lstStyle/>
           <a:p>
             <a:r>
               <a:t>Footer</a:t>
@@ -1276,10 +1411,12 @@
         <p:spPr/>
         <p:txBody>
           <a:bodyPr/>
+          <a:lstStyle/>
           <a:p>
             <a:fld id="{7E9014B7-D755-4915-B7F1-2E5C58286FA1}" type="slidenum">
-              <a:t>&lt;#&gt;</a:t>
+              <a:t>‹#›</a:t>
             </a:fld>
+            <a:endParaRPr/>
           </a:p>
         </p:txBody>
       </p:sp>
@@ -1296,21 +1433,22 @@
         <p:spPr/>
         <p:txBody>
           <a:bodyPr/>
-          <a:p>
-            <a:r>
-              <a:rPr lang="en-US"/>
-              <a:t/>
-            </a:r>
+          <a:lstStyle/>
+          <a:p>
+            <a:endParaRPr/>
           </a:p>
         </p:txBody>
       </p:sp>
     </p:spTree>
   </p:cSld>
+  <p:clrMapOvr>
+    <a:masterClrMapping/>
+  </p:clrMapOvr>
 </p:sldLayout>
 </file>
 
 <file path=ppt/slideLayouts/slideLayout4.xml><?xml version="1.0" encoding="utf-8"?>
-<p:sldLayout xmlns:a="http://schemas.openxmlformats.org/drawingml/2006/main" xmlns:p="http://schemas.openxmlformats.org/presentationml/2006/main" xmlns:r="http://schemas.openxmlformats.org/officeDocument/2006/relationships" xmlns:p14="http://schemas.microsoft.com/office/powerpoint/2010/main" xmlns:p15="http://schemas.microsoft.com/office/powerpoint/2012/main" xmlns:mc="http://schemas.openxmlformats.org/markup-compatibility/2006" type="twoObj" preserve="1">
+<p:sldLayout xmlns:a="http://schemas.openxmlformats.org/drawingml/2006/main" xmlns:r="http://schemas.openxmlformats.org/officeDocument/2006/relationships" xmlns:p="http://schemas.openxmlformats.org/presentationml/2006/main" type="twoObj" preserve="1">
   <p:cSld name="Title, 2 Content">
     <p:spTree>
       <p:nvGrpSpPr>
@@ -1350,14 +1488,15 @@
           </a:ln>
         </p:spPr>
         <p:txBody>
-          <a:bodyPr lIns="0" rIns="0" tIns="0" bIns="0" anchor="ctr">
+          <a:bodyPr lIns="0" tIns="0" rIns="0" bIns="0" anchor="ctr">
             <a:noAutofit/>
           </a:bodyPr>
+          <a:lstStyle/>
           <a:p>
             <a:pPr indent="0" algn="ctr">
               <a:buNone/>
             </a:pPr>
-            <a:endParaRPr b="0" lang="en-US" sz="4400" spc="-1" strike="noStrike">
+            <a:endParaRPr lang="en-US" sz="4400" b="0" strike="noStrike" spc="-1">
               <a:solidFill>
                 <a:srgbClr val="000000"/>
               </a:solidFill>
@@ -1390,9 +1529,10 @@
           </a:ln>
         </p:spPr>
         <p:txBody>
-          <a:bodyPr lIns="0" rIns="0" tIns="0" bIns="0" anchor="t">
+          <a:bodyPr lIns="0" tIns="0" rIns="0" bIns="0" anchor="t">
             <a:normAutofit/>
           </a:bodyPr>
+          <a:lstStyle/>
           <a:p>
             <a:pPr indent="0">
               <a:spcBef>
@@ -1400,7 +1540,7 @@
               </a:spcBef>
               <a:buNone/>
             </a:pPr>
-            <a:endParaRPr b="0" lang="en-US" sz="3200" spc="-1" strike="noStrike">
+            <a:endParaRPr lang="en-US" sz="3200" b="0" strike="noStrike" spc="-1">
               <a:solidFill>
                 <a:srgbClr val="000000"/>
               </a:solidFill>
@@ -1433,9 +1573,10 @@
           </a:ln>
         </p:spPr>
         <p:txBody>
-          <a:bodyPr lIns="0" rIns="0" tIns="0" bIns="0" anchor="t">
+          <a:bodyPr lIns="0" tIns="0" rIns="0" bIns="0" anchor="t">
             <a:normAutofit/>
           </a:bodyPr>
+          <a:lstStyle/>
           <a:p>
             <a:pPr indent="0">
               <a:spcBef>
@@ -1443,7 +1584,7 @@
               </a:spcBef>
               <a:buNone/>
             </a:pPr>
-            <a:endParaRPr b="0" lang="en-US" sz="3200" spc="-1" strike="noStrike">
+            <a:endParaRPr lang="en-US" sz="3200" b="0" strike="noStrike" spc="-1">
               <a:solidFill>
                 <a:srgbClr val="000000"/>
               </a:solidFill>
@@ -1465,6 +1606,7 @@
         <p:spPr/>
         <p:txBody>
           <a:bodyPr/>
+          <a:lstStyle/>
           <a:p>
             <a:r>
               <a:t>Footer</a:t>
@@ -1485,10 +1627,12 @@
         <p:spPr/>
         <p:txBody>
           <a:bodyPr/>
+          <a:lstStyle/>
           <a:p>
             <a:fld id="{F6CCBE73-3FF1-440F-95A1-1CB8126ADD80}" type="slidenum">
-              <a:t>&lt;#&gt;</a:t>
+              <a:t>‹#›</a:t>
             </a:fld>
+            <a:endParaRPr/>
           </a:p>
         </p:txBody>
       </p:sp>
@@ -1505,21 +1649,22 @@
         <p:spPr/>
         <p:txBody>
           <a:bodyPr/>
-          <a:p>
-            <a:r>
-              <a:rPr lang="en-US"/>
-              <a:t/>
-            </a:r>
+          <a:lstStyle/>
+          <a:p>
+            <a:endParaRPr/>
           </a:p>
         </p:txBody>
       </p:sp>
     </p:spTree>
   </p:cSld>
+  <p:clrMapOvr>
+    <a:masterClrMapping/>
+  </p:clrMapOvr>
 </p:sldLayout>
 </file>
 
 <file path=ppt/slideLayouts/slideLayout5.xml><?xml version="1.0" encoding="utf-8"?>
-<p:sldLayout xmlns:a="http://schemas.openxmlformats.org/drawingml/2006/main" xmlns:p="http://schemas.openxmlformats.org/presentationml/2006/main" xmlns:r="http://schemas.openxmlformats.org/officeDocument/2006/relationships" xmlns:p14="http://schemas.microsoft.com/office/powerpoint/2010/main" xmlns:p15="http://schemas.microsoft.com/office/powerpoint/2012/main" xmlns:mc="http://schemas.openxmlformats.org/markup-compatibility/2006" type="titleOnly" preserve="1">
+<p:sldLayout xmlns:a="http://schemas.openxmlformats.org/drawingml/2006/main" xmlns:r="http://schemas.openxmlformats.org/officeDocument/2006/relationships" xmlns:p="http://schemas.openxmlformats.org/presentationml/2006/main" type="titleOnly" preserve="1">
   <p:cSld name="Title Only">
     <p:spTree>
       <p:nvGrpSpPr>
@@ -1559,14 +1704,15 @@
           </a:ln>
         </p:spPr>
         <p:txBody>
-          <a:bodyPr lIns="0" rIns="0" tIns="0" bIns="0" anchor="ctr">
+          <a:bodyPr lIns="0" tIns="0" rIns="0" bIns="0" anchor="ctr">
             <a:noAutofit/>
           </a:bodyPr>
+          <a:lstStyle/>
           <a:p>
             <a:pPr indent="0" algn="ctr">
               <a:buNone/>
             </a:pPr>
-            <a:endParaRPr b="0" lang="en-US" sz="4400" spc="-1" strike="noStrike">
+            <a:endParaRPr lang="en-US" sz="4400" b="0" strike="noStrike" spc="-1">
               <a:solidFill>
                 <a:srgbClr val="000000"/>
               </a:solidFill>
@@ -1588,6 +1734,7 @@
         <p:spPr/>
         <p:txBody>
           <a:bodyPr/>
+          <a:lstStyle/>
           <a:p>
             <a:r>
               <a:t>Footer</a:t>
@@ -1608,10 +1755,12 @@
         <p:spPr/>
         <p:txBody>
           <a:bodyPr/>
+          <a:lstStyle/>
           <a:p>
             <a:fld id="{69BC311B-2D34-4347-9FDA-A077253F9C04}" type="slidenum">
-              <a:t>&lt;#&gt;</a:t>
+              <a:t>‹#›</a:t>
             </a:fld>
+            <a:endParaRPr/>
           </a:p>
         </p:txBody>
       </p:sp>
@@ -1628,21 +1777,22 @@
         <p:spPr/>
         <p:txBody>
           <a:bodyPr/>
-          <a:p>
-            <a:r>
-              <a:rPr lang="en-US"/>
-              <a:t/>
-            </a:r>
+          <a:lstStyle/>
+          <a:p>
+            <a:endParaRPr/>
           </a:p>
         </p:txBody>
       </p:sp>
     </p:spTree>
   </p:cSld>
+  <p:clrMapOvr>
+    <a:masterClrMapping/>
+  </p:clrMapOvr>
 </p:sldLayout>
 </file>
 
 <file path=ppt/slideLayouts/slideLayout6.xml><?xml version="1.0" encoding="utf-8"?>
-<p:sldLayout xmlns:a="http://schemas.openxmlformats.org/drawingml/2006/main" xmlns:p="http://schemas.openxmlformats.org/presentationml/2006/main" xmlns:r="http://schemas.openxmlformats.org/officeDocument/2006/relationships" xmlns:p14="http://schemas.microsoft.com/office/powerpoint/2010/main" xmlns:p15="http://schemas.microsoft.com/office/powerpoint/2012/main" xmlns:mc="http://schemas.openxmlformats.org/markup-compatibility/2006" type="objOnly" preserve="1">
+<p:sldLayout xmlns:a="http://schemas.openxmlformats.org/drawingml/2006/main" xmlns:r="http://schemas.openxmlformats.org/officeDocument/2006/relationships" xmlns:p="http://schemas.openxmlformats.org/presentationml/2006/main" type="objOnly" preserve="1">
   <p:cSld name="Centered Text">
     <p:spTree>
       <p:nvGrpSpPr>
@@ -1682,12 +1832,13 @@
           </a:ln>
         </p:spPr>
         <p:txBody>
-          <a:bodyPr lIns="0" rIns="0" tIns="0" bIns="0" anchor="ctr">
+          <a:bodyPr lIns="0" tIns="0" rIns="0" bIns="0" anchor="ctr">
             <a:noAutofit/>
           </a:bodyPr>
+          <a:lstStyle/>
           <a:p>
             <a:pPr algn="ctr"/>
-            <a:endParaRPr b="0" lang="en-US" sz="3200" spc="-1" strike="noStrike">
+            <a:endParaRPr lang="en-US" sz="3200" b="0" strike="noStrike" spc="-1">
               <a:solidFill>
                 <a:srgbClr val="000000"/>
               </a:solidFill>
@@ -1709,6 +1860,7 @@
         <p:spPr/>
         <p:txBody>
           <a:bodyPr/>
+          <a:lstStyle/>
           <a:p>
             <a:r>
               <a:t>Footer</a:t>
@@ -1729,10 +1881,12 @@
         <p:spPr/>
         <p:txBody>
           <a:bodyPr/>
+          <a:lstStyle/>
           <a:p>
             <a:fld id="{BEEF645A-7AFC-4219-BB82-83D9F946BBFA}" type="slidenum">
-              <a:t>&lt;#&gt;</a:t>
+              <a:t>‹#›</a:t>
             </a:fld>
+            <a:endParaRPr/>
           </a:p>
         </p:txBody>
       </p:sp>
@@ -1749,21 +1903,22 @@
         <p:spPr/>
         <p:txBody>
           <a:bodyPr/>
-          <a:p>
-            <a:r>
-              <a:rPr lang="en-US"/>
-              <a:t/>
-            </a:r>
+          <a:lstStyle/>
+          <a:p>
+            <a:endParaRPr/>
           </a:p>
         </p:txBody>
       </p:sp>
     </p:spTree>
   </p:cSld>
+  <p:clrMapOvr>
+    <a:masterClrMapping/>
+  </p:clrMapOvr>
 </p:sldLayout>
 </file>
 
 <file path=ppt/slideLayouts/slideLayout7.xml><?xml version="1.0" encoding="utf-8"?>
-<p:sldLayout xmlns:a="http://schemas.openxmlformats.org/drawingml/2006/main" xmlns:p="http://schemas.openxmlformats.org/presentationml/2006/main" xmlns:r="http://schemas.openxmlformats.org/officeDocument/2006/relationships" xmlns:p14="http://schemas.microsoft.com/office/powerpoint/2010/main" xmlns:p15="http://schemas.microsoft.com/office/powerpoint/2012/main" xmlns:mc="http://schemas.openxmlformats.org/markup-compatibility/2006" type="twoObjAndObj" preserve="1">
+<p:sldLayout xmlns:a="http://schemas.openxmlformats.org/drawingml/2006/main" xmlns:r="http://schemas.openxmlformats.org/officeDocument/2006/relationships" xmlns:p="http://schemas.openxmlformats.org/presentationml/2006/main" type="twoObjAndObj" preserve="1">
   <p:cSld name="Title, 2 Content and Content">
     <p:spTree>
       <p:nvGrpSpPr>
@@ -1803,14 +1958,15 @@
           </a:ln>
         </p:spPr>
         <p:txBody>
-          <a:bodyPr lIns="0" rIns="0" tIns="0" bIns="0" anchor="ctr">
+          <a:bodyPr lIns="0" tIns="0" rIns="0" bIns="0" anchor="ctr">
             <a:noAutofit/>
           </a:bodyPr>
+          <a:lstStyle/>
           <a:p>
             <a:pPr indent="0" algn="ctr">
               <a:buNone/>
             </a:pPr>
-            <a:endParaRPr b="0" lang="en-US" sz="4400" spc="-1" strike="noStrike">
+            <a:endParaRPr lang="en-US" sz="4400" b="0" strike="noStrike" spc="-1">
               <a:solidFill>
                 <a:srgbClr val="000000"/>
               </a:solidFill>
@@ -1843,9 +1999,10 @@
           </a:ln>
         </p:spPr>
         <p:txBody>
-          <a:bodyPr lIns="0" rIns="0" tIns="0" bIns="0" anchor="t">
+          <a:bodyPr lIns="0" tIns="0" rIns="0" bIns="0" anchor="t">
             <a:normAutofit/>
           </a:bodyPr>
+          <a:lstStyle/>
           <a:p>
             <a:pPr indent="0">
               <a:spcBef>
@@ -1853,7 +2010,7 @@
               </a:spcBef>
               <a:buNone/>
             </a:pPr>
-            <a:endParaRPr b="0" lang="en-US" sz="3200" spc="-1" strike="noStrike">
+            <a:endParaRPr lang="en-US" sz="3200" b="0" strike="noStrike" spc="-1">
               <a:solidFill>
                 <a:srgbClr val="000000"/>
               </a:solidFill>
@@ -1886,9 +2043,10 @@
           </a:ln>
         </p:spPr>
         <p:txBody>
-          <a:bodyPr lIns="0" rIns="0" tIns="0" bIns="0" anchor="t">
+          <a:bodyPr lIns="0" tIns="0" rIns="0" bIns="0" anchor="t">
             <a:normAutofit/>
           </a:bodyPr>
+          <a:lstStyle/>
           <a:p>
             <a:pPr indent="0">
               <a:spcBef>
@@ -1896,7 +2054,7 @@
               </a:spcBef>
               <a:buNone/>
             </a:pPr>
-            <a:endParaRPr b="0" lang="en-US" sz="3200" spc="-1" strike="noStrike">
+            <a:endParaRPr lang="en-US" sz="3200" b="0" strike="noStrike" spc="-1">
               <a:solidFill>
                 <a:srgbClr val="000000"/>
               </a:solidFill>
@@ -1929,9 +2087,10 @@
           </a:ln>
         </p:spPr>
         <p:txBody>
-          <a:bodyPr lIns="0" rIns="0" tIns="0" bIns="0" anchor="t">
+          <a:bodyPr lIns="0" tIns="0" rIns="0" bIns="0" anchor="t">
             <a:normAutofit/>
           </a:bodyPr>
+          <a:lstStyle/>
           <a:p>
             <a:pPr indent="0">
               <a:spcBef>
@@ -1939,7 +2098,7 @@
               </a:spcBef>
               <a:buNone/>
             </a:pPr>
-            <a:endParaRPr b="0" lang="en-US" sz="3200" spc="-1" strike="noStrike">
+            <a:endParaRPr lang="en-US" sz="3200" b="0" strike="noStrike" spc="-1">
               <a:solidFill>
                 <a:srgbClr val="000000"/>
               </a:solidFill>
@@ -1961,6 +2120,7 @@
         <p:spPr/>
         <p:txBody>
           <a:bodyPr/>
+          <a:lstStyle/>
           <a:p>
             <a:r>
               <a:t>Footer</a:t>
@@ -1981,10 +2141,12 @@
         <p:spPr/>
         <p:txBody>
           <a:bodyPr/>
+          <a:lstStyle/>
           <a:p>
             <a:fld id="{B3302CB3-382B-434C-B4D1-C546EB5EF9FE}" type="slidenum">
-              <a:t>&lt;#&gt;</a:t>
+              <a:t>‹#›</a:t>
             </a:fld>
+            <a:endParaRPr/>
           </a:p>
         </p:txBody>
       </p:sp>
@@ -2001,21 +2163,22 @@
         <p:spPr/>
         <p:txBody>
           <a:bodyPr/>
-          <a:p>
-            <a:r>
-              <a:rPr lang="en-US"/>
-              <a:t/>
-            </a:r>
+          <a:lstStyle/>
+          <a:p>
+            <a:endParaRPr/>
           </a:p>
         </p:txBody>
       </p:sp>
     </p:spTree>
   </p:cSld>
+  <p:clrMapOvr>
+    <a:masterClrMapping/>
+  </p:clrMapOvr>
 </p:sldLayout>
 </file>
 
 <file path=ppt/slideLayouts/slideLayout8.xml><?xml version="1.0" encoding="utf-8"?>
-<p:sldLayout xmlns:a="http://schemas.openxmlformats.org/drawingml/2006/main" xmlns:p="http://schemas.openxmlformats.org/presentationml/2006/main" xmlns:r="http://schemas.openxmlformats.org/officeDocument/2006/relationships" xmlns:p14="http://schemas.microsoft.com/office/powerpoint/2010/main" xmlns:p15="http://schemas.microsoft.com/office/powerpoint/2012/main" xmlns:mc="http://schemas.openxmlformats.org/markup-compatibility/2006" type="objAndTwoObj" preserve="1">
+<p:sldLayout xmlns:a="http://schemas.openxmlformats.org/drawingml/2006/main" xmlns:r="http://schemas.openxmlformats.org/officeDocument/2006/relationships" xmlns:p="http://schemas.openxmlformats.org/presentationml/2006/main" type="objAndTwoObj" preserve="1">
   <p:cSld name="Title Content and 2 Content">
     <p:spTree>
       <p:nvGrpSpPr>
@@ -2055,14 +2218,15 @@
           </a:ln>
         </p:spPr>
         <p:txBody>
-          <a:bodyPr lIns="0" rIns="0" tIns="0" bIns="0" anchor="ctr">
+          <a:bodyPr lIns="0" tIns="0" rIns="0" bIns="0" anchor="ctr">
             <a:noAutofit/>
           </a:bodyPr>
+          <a:lstStyle/>
           <a:p>
             <a:pPr indent="0" algn="ctr">
               <a:buNone/>
             </a:pPr>
-            <a:endParaRPr b="0" lang="en-US" sz="4400" spc="-1" strike="noStrike">
+            <a:endParaRPr lang="en-US" sz="4400" b="0" strike="noStrike" spc="-1">
               <a:solidFill>
                 <a:srgbClr val="000000"/>
               </a:solidFill>
@@ -2095,9 +2259,10 @@
           </a:ln>
         </p:spPr>
         <p:txBody>
-          <a:bodyPr lIns="0" rIns="0" tIns="0" bIns="0" anchor="t">
+          <a:bodyPr lIns="0" tIns="0" rIns="0" bIns="0" anchor="t">
             <a:normAutofit/>
           </a:bodyPr>
+          <a:lstStyle/>
           <a:p>
             <a:pPr indent="0">
               <a:spcBef>
@@ -2105,7 +2270,7 @@
               </a:spcBef>
               <a:buNone/>
             </a:pPr>
-            <a:endParaRPr b="0" lang="en-US" sz="3200" spc="-1" strike="noStrike">
+            <a:endParaRPr lang="en-US" sz="3200" b="0" strike="noStrike" spc="-1">
               <a:solidFill>
                 <a:srgbClr val="000000"/>
               </a:solidFill>
@@ -2138,9 +2303,10 @@
           </a:ln>
         </p:spPr>
         <p:txBody>
-          <a:bodyPr lIns="0" rIns="0" tIns="0" bIns="0" anchor="t">
+          <a:bodyPr lIns="0" tIns="0" rIns="0" bIns="0" anchor="t">
             <a:normAutofit/>
           </a:bodyPr>
+          <a:lstStyle/>
           <a:p>
             <a:pPr indent="0">
               <a:spcBef>
@@ -2148,7 +2314,7 @@
               </a:spcBef>
               <a:buNone/>
             </a:pPr>
-            <a:endParaRPr b="0" lang="en-US" sz="3200" spc="-1" strike="noStrike">
+            <a:endParaRPr lang="en-US" sz="3200" b="0" strike="noStrike" spc="-1">
               <a:solidFill>
                 <a:srgbClr val="000000"/>
               </a:solidFill>
@@ -2181,9 +2347,10 @@
           </a:ln>
         </p:spPr>
         <p:txBody>
-          <a:bodyPr lIns="0" rIns="0" tIns="0" bIns="0" anchor="t">
+          <a:bodyPr lIns="0" tIns="0" rIns="0" bIns="0" anchor="t">
             <a:normAutofit/>
           </a:bodyPr>
+          <a:lstStyle/>
           <a:p>
             <a:pPr indent="0">
               <a:spcBef>
@@ -2191,7 +2358,7 @@
               </a:spcBef>
               <a:buNone/>
             </a:pPr>
-            <a:endParaRPr b="0" lang="en-US" sz="3200" spc="-1" strike="noStrike">
+            <a:endParaRPr lang="en-US" sz="3200" b="0" strike="noStrike" spc="-1">
               <a:solidFill>
                 <a:srgbClr val="000000"/>
               </a:solidFill>
@@ -2213,6 +2380,7 @@
         <p:spPr/>
         <p:txBody>
           <a:bodyPr/>
+          <a:lstStyle/>
           <a:p>
             <a:r>
               <a:t>Footer</a:t>
@@ -2233,10 +2401,12 @@
         <p:spPr/>
         <p:txBody>
           <a:bodyPr/>
+          <a:lstStyle/>
           <a:p>
             <a:fld id="{D2F4EE31-D977-4926-9814-362EE675A54F}" type="slidenum">
-              <a:t>&lt;#&gt;</a:t>
+              <a:t>‹#›</a:t>
             </a:fld>
+            <a:endParaRPr/>
           </a:p>
         </p:txBody>
       </p:sp>
@@ -2253,21 +2423,22 @@
         <p:spPr/>
         <p:txBody>
           <a:bodyPr/>
-          <a:p>
-            <a:r>
-              <a:rPr lang="en-US"/>
-              <a:t/>
-            </a:r>
+          <a:lstStyle/>
+          <a:p>
+            <a:endParaRPr/>
           </a:p>
         </p:txBody>
       </p:sp>
     </p:spTree>
   </p:cSld>
+  <p:clrMapOvr>
+    <a:masterClrMapping/>
+  </p:clrMapOvr>
 </p:sldLayout>
 </file>
 
 <file path=ppt/slideLayouts/slideLayout9.xml><?xml version="1.0" encoding="utf-8"?>
-<p:sldLayout xmlns:a="http://schemas.openxmlformats.org/drawingml/2006/main" xmlns:p="http://schemas.openxmlformats.org/presentationml/2006/main" xmlns:r="http://schemas.openxmlformats.org/officeDocument/2006/relationships" xmlns:p14="http://schemas.microsoft.com/office/powerpoint/2010/main" xmlns:p15="http://schemas.microsoft.com/office/powerpoint/2012/main" xmlns:mc="http://schemas.openxmlformats.org/markup-compatibility/2006" type="twoObjOverTx" preserve="1">
+<p:sldLayout xmlns:a="http://schemas.openxmlformats.org/drawingml/2006/main" xmlns:r="http://schemas.openxmlformats.org/officeDocument/2006/relationships" xmlns:p="http://schemas.openxmlformats.org/presentationml/2006/main" type="twoObjOverTx" preserve="1">
   <p:cSld name="Title, 2 Content over Content">
     <p:spTree>
       <p:nvGrpSpPr>
@@ -2307,14 +2478,15 @@
           </a:ln>
         </p:spPr>
         <p:txBody>
-          <a:bodyPr lIns="0" rIns="0" tIns="0" bIns="0" anchor="ctr">
+          <a:bodyPr lIns="0" tIns="0" rIns="0" bIns="0" anchor="ctr">
             <a:noAutofit/>
           </a:bodyPr>
+          <a:lstStyle/>
           <a:p>
             <a:pPr indent="0" algn="ctr">
               <a:buNone/>
             </a:pPr>
-            <a:endParaRPr b="0" lang="en-US" sz="4400" spc="-1" strike="noStrike">
+            <a:endParaRPr lang="en-US" sz="4400" b="0" strike="noStrike" spc="-1">
               <a:solidFill>
                 <a:srgbClr val="000000"/>
               </a:solidFill>
@@ -2347,9 +2519,10 @@
           </a:ln>
         </p:spPr>
         <p:txBody>
-          <a:bodyPr lIns="0" rIns="0" tIns="0" bIns="0" anchor="t">
+          <a:bodyPr lIns="0" tIns="0" rIns="0" bIns="0" anchor="t">
             <a:normAutofit/>
           </a:bodyPr>
+          <a:lstStyle/>
           <a:p>
             <a:pPr indent="0">
               <a:spcBef>
@@ -2357,7 +2530,7 @@
               </a:spcBef>
               <a:buNone/>
             </a:pPr>
-            <a:endParaRPr b="0" lang="en-US" sz="3200" spc="-1" strike="noStrike">
+            <a:endParaRPr lang="en-US" sz="3200" b="0" strike="noStrike" spc="-1">
               <a:solidFill>
                 <a:srgbClr val="000000"/>
               </a:solidFill>
@@ -2390,9 +2563,10 @@
           </a:ln>
         </p:spPr>
         <p:txBody>
-          <a:bodyPr lIns="0" rIns="0" tIns="0" bIns="0" anchor="t">
+          <a:bodyPr lIns="0" tIns="0" rIns="0" bIns="0" anchor="t">
             <a:normAutofit/>
           </a:bodyPr>
+          <a:lstStyle/>
           <a:p>
             <a:pPr indent="0">
               <a:spcBef>
@@ -2400,7 +2574,7 @@
               </a:spcBef>
               <a:buNone/>
             </a:pPr>
-            <a:endParaRPr b="0" lang="en-US" sz="3200" spc="-1" strike="noStrike">
+            <a:endParaRPr lang="en-US" sz="3200" b="0" strike="noStrike" spc="-1">
               <a:solidFill>
                 <a:srgbClr val="000000"/>
               </a:solidFill>
@@ -2433,9 +2607,10 @@
           </a:ln>
         </p:spPr>
         <p:txBody>
-          <a:bodyPr lIns="0" rIns="0" tIns="0" bIns="0" anchor="t">
+          <a:bodyPr lIns="0" tIns="0" rIns="0" bIns="0" anchor="t">
             <a:normAutofit/>
           </a:bodyPr>
+          <a:lstStyle/>
           <a:p>
             <a:pPr indent="0">
               <a:spcBef>
@@ -2443,7 +2618,7 @@
               </a:spcBef>
               <a:buNone/>
             </a:pPr>
-            <a:endParaRPr b="0" lang="en-US" sz="3200" spc="-1" strike="noStrike">
+            <a:endParaRPr lang="en-US" sz="3200" b="0" strike="noStrike" spc="-1">
               <a:solidFill>
                 <a:srgbClr val="000000"/>
               </a:solidFill>
@@ -2465,6 +2640,7 @@
         <p:spPr/>
         <p:txBody>
           <a:bodyPr/>
+          <a:lstStyle/>
           <a:p>
             <a:r>
               <a:t>Footer</a:t>
@@ -2485,10 +2661,12 @@
         <p:spPr/>
         <p:txBody>
           <a:bodyPr/>
+          <a:lstStyle/>
           <a:p>
             <a:fld id="{C3443EF6-7039-403D-BA47-8B45FCDB0B06}" type="slidenum">
-              <a:t>&lt;#&gt;</a:t>
+              <a:t>‹#›</a:t>
             </a:fld>
+            <a:endParaRPr/>
           </a:p>
         </p:txBody>
       </p:sp>
@@ -2505,22 +2683,28 @@
         <p:spPr/>
         <p:txBody>
           <a:bodyPr/>
-          <a:p>
-            <a:r>
-              <a:rPr lang="en-US"/>
-              <a:t/>
-            </a:r>
+          <a:lstStyle/>
+          <a:p>
+            <a:endParaRPr/>
           </a:p>
         </p:txBody>
       </p:sp>
     </p:spTree>
   </p:cSld>
+  <p:clrMapOvr>
+    <a:masterClrMapping/>
+  </p:clrMapOvr>
 </p:sldLayout>
 </file>
 
 <file path=ppt/slideMasters/slideMaster1.xml><?xml version="1.0" encoding="utf-8"?>
-<p:sldMaster xmlns:a="http://schemas.openxmlformats.org/drawingml/2006/main" xmlns:p="http://schemas.openxmlformats.org/presentationml/2006/main" xmlns:r="http://schemas.openxmlformats.org/officeDocument/2006/relationships" xmlns:p14="http://schemas.microsoft.com/office/powerpoint/2010/main" xmlns:p15="http://schemas.microsoft.com/office/powerpoint/2012/main" xmlns:mc="http://schemas.openxmlformats.org/markup-compatibility/2006">
+<p:sldMaster xmlns:a="http://schemas.openxmlformats.org/drawingml/2006/main" xmlns:r="http://schemas.openxmlformats.org/officeDocument/2006/relationships" xmlns:p="http://schemas.openxmlformats.org/presentationml/2006/main">
   <p:cSld>
+    <p:bg>
+      <p:bgRef idx="1001">
+        <a:schemeClr val="bg1"/>
+      </p:bgRef>
+    </p:bg>
     <p:spTree>
       <p:nvGrpSpPr>
         <p:cNvPr id="1" name=""/>
@@ -2537,7 +2721,7 @@
       </p:grpSpPr>
       <p:sp>
         <p:nvSpPr>
-          <p:cNvPr id="0" name="PlaceHolder 1"/>
+          <p:cNvPr id="5" name="PlaceHolder 1"/>
           <p:cNvSpPr>
             <a:spLocks noGrp="1"/>
           </p:cNvSpPr>
@@ -2559,15 +2743,16 @@
           </a:ln>
         </p:spPr>
         <p:txBody>
-          <a:bodyPr lIns="0" rIns="0" tIns="0" bIns="0" anchor="ctr">
+          <a:bodyPr lIns="0" tIns="0" rIns="0" bIns="0" anchor="ctr">
             <a:noAutofit/>
           </a:bodyPr>
+          <a:lstStyle/>
           <a:p>
             <a:pPr indent="0" algn="ctr">
               <a:buNone/>
             </a:pPr>
             <a:r>
-              <a:rPr b="0" lang="en-US" sz="4400" spc="-1" strike="noStrike">
+              <a:rPr lang="en-US" sz="4400" b="0" strike="noStrike" spc="-1">
                 <a:solidFill>
                   <a:srgbClr val="000000"/>
                 </a:solidFill>
@@ -2575,18 +2760,12 @@
               </a:rPr>
               <a:t>Click to edit the title text format</a:t>
             </a:r>
-            <a:endParaRPr b="0" lang="en-US" sz="4400" spc="-1" strike="noStrike">
-              <a:solidFill>
-                <a:srgbClr val="000000"/>
-              </a:solidFill>
-              <a:latin typeface="Arial"/>
-            </a:endParaRPr>
-          </a:p>
-        </p:txBody>
-      </p:sp>
-      <p:sp>
-        <p:nvSpPr>
-          <p:cNvPr id="1" name="PlaceHolder 2"/>
+          </a:p>
+        </p:txBody>
+      </p:sp>
+      <p:sp>
+        <p:nvSpPr>
+          <p:cNvPr id="6" name="PlaceHolder 2"/>
           <p:cNvSpPr>
             <a:spLocks noGrp="1"/>
           </p:cNvSpPr>
@@ -2608,9 +2787,10 @@
           </a:ln>
         </p:spPr>
         <p:txBody>
-          <a:bodyPr lIns="0" rIns="0" tIns="0" bIns="0" anchor="t">
+          <a:bodyPr lIns="0" tIns="0" rIns="0" bIns="0" anchor="t">
             <a:normAutofit/>
           </a:bodyPr>
+          <a:lstStyle/>
           <a:p>
             <a:pPr marL="432000" indent="-324000">
               <a:spcBef>
@@ -2624,7 +2804,7 @@
               <a:buChar char=""/>
             </a:pPr>
             <a:r>
-              <a:rPr b="0" lang="en-US" sz="3200" spc="-1" strike="noStrike">
+              <a:rPr lang="en-US" sz="3200" b="0" strike="noStrike" spc="-1">
                 <a:solidFill>
                   <a:srgbClr val="000000"/>
                 </a:solidFill>
@@ -2632,15 +2812,9 @@
               </a:rPr>
               <a:t>Click to edit the outline text format</a:t>
             </a:r>
-            <a:endParaRPr b="0" lang="en-US" sz="3200" spc="-1" strike="noStrike">
-              <a:solidFill>
-                <a:srgbClr val="000000"/>
-              </a:solidFill>
-              <a:latin typeface="Arial"/>
-            </a:endParaRPr>
-          </a:p>
-          <a:p>
-            <a:pPr lvl="1" marL="864000" indent="-324000">
+          </a:p>
+          <a:p>
+            <a:pPr marL="864000" lvl="1" indent="-324000">
               <a:spcBef>
                 <a:spcPts val="1134"/>
               </a:spcBef>
@@ -2652,7 +2826,7 @@
               <a:buChar char=""/>
             </a:pPr>
             <a:r>
-              <a:rPr b="0" lang="en-US" sz="2800" spc="-1" strike="noStrike">
+              <a:rPr lang="en-US" sz="2800" b="0" strike="noStrike" spc="-1">
                 <a:solidFill>
                   <a:srgbClr val="000000"/>
                 </a:solidFill>
@@ -2660,15 +2834,9 @@
               </a:rPr>
               <a:t>Second Outline Level</a:t>
             </a:r>
-            <a:endParaRPr b="0" lang="en-US" sz="2800" spc="-1" strike="noStrike">
-              <a:solidFill>
-                <a:srgbClr val="000000"/>
-              </a:solidFill>
-              <a:latin typeface="Arial"/>
-            </a:endParaRPr>
-          </a:p>
-          <a:p>
-            <a:pPr lvl="2" marL="1296000" indent="-288000">
+          </a:p>
+          <a:p>
+            <a:pPr marL="1296000" lvl="2" indent="-288000">
               <a:spcBef>
                 <a:spcPts val="850"/>
               </a:spcBef>
@@ -2680,7 +2848,7 @@
               <a:buChar char=""/>
             </a:pPr>
             <a:r>
-              <a:rPr b="0" lang="en-US" sz="2400" spc="-1" strike="noStrike">
+              <a:rPr lang="en-US" sz="2400" b="0" strike="noStrike" spc="-1">
                 <a:solidFill>
                   <a:srgbClr val="000000"/>
                 </a:solidFill>
@@ -2688,15 +2856,9 @@
               </a:rPr>
               <a:t>Third Outline Level</a:t>
             </a:r>
-            <a:endParaRPr b="0" lang="en-US" sz="2400" spc="-1" strike="noStrike">
-              <a:solidFill>
-                <a:srgbClr val="000000"/>
-              </a:solidFill>
-              <a:latin typeface="Arial"/>
-            </a:endParaRPr>
-          </a:p>
-          <a:p>
-            <a:pPr lvl="3" marL="1728000" indent="-216000">
+          </a:p>
+          <a:p>
+            <a:pPr marL="1728000" lvl="3" indent="-216000">
               <a:spcBef>
                 <a:spcPts val="567"/>
               </a:spcBef>
@@ -2708,7 +2870,7 @@
               <a:buChar char=""/>
             </a:pPr>
             <a:r>
-              <a:rPr b="0" lang="en-US" sz="2000" spc="-1" strike="noStrike">
+              <a:rPr lang="en-US" sz="2000" b="0" strike="noStrike" spc="-1">
                 <a:solidFill>
                   <a:srgbClr val="000000"/>
                 </a:solidFill>
@@ -2716,15 +2878,9 @@
               </a:rPr>
               <a:t>Fourth Outline Level</a:t>
             </a:r>
-            <a:endParaRPr b="0" lang="en-US" sz="2000" spc="-1" strike="noStrike">
-              <a:solidFill>
-                <a:srgbClr val="000000"/>
-              </a:solidFill>
-              <a:latin typeface="Arial"/>
-            </a:endParaRPr>
-          </a:p>
-          <a:p>
-            <a:pPr lvl="4" marL="2160000" indent="-216000">
+          </a:p>
+          <a:p>
+            <a:pPr marL="2160000" lvl="4" indent="-216000">
               <a:spcBef>
                 <a:spcPts val="283"/>
               </a:spcBef>
@@ -2736,7 +2892,7 @@
               <a:buChar char=""/>
             </a:pPr>
             <a:r>
-              <a:rPr b="0" lang="en-US" sz="2000" spc="-1" strike="noStrike">
+              <a:rPr lang="en-US" sz="2000" b="0" strike="noStrike" spc="-1">
                 <a:solidFill>
                   <a:srgbClr val="000000"/>
                 </a:solidFill>
@@ -2744,15 +2900,9 @@
               </a:rPr>
               <a:t>Fifth Outline Level</a:t>
             </a:r>
-            <a:endParaRPr b="0" lang="en-US" sz="2000" spc="-1" strike="noStrike">
-              <a:solidFill>
-                <a:srgbClr val="000000"/>
-              </a:solidFill>
-              <a:latin typeface="Arial"/>
-            </a:endParaRPr>
-          </a:p>
-          <a:p>
-            <a:pPr lvl="5" marL="2592000" indent="-216000">
+          </a:p>
+          <a:p>
+            <a:pPr marL="2592000" lvl="5" indent="-216000">
               <a:spcBef>
                 <a:spcPts val="283"/>
               </a:spcBef>
@@ -2764,7 +2914,7 @@
               <a:buChar char=""/>
             </a:pPr>
             <a:r>
-              <a:rPr b="0" lang="en-US" sz="2000" spc="-1" strike="noStrike">
+              <a:rPr lang="en-US" sz="2000" b="0" strike="noStrike" spc="-1">
                 <a:solidFill>
                   <a:srgbClr val="000000"/>
                 </a:solidFill>
@@ -2772,15 +2922,9 @@
               </a:rPr>
               <a:t>Sixth Outline Level</a:t>
             </a:r>
-            <a:endParaRPr b="0" lang="en-US" sz="2000" spc="-1" strike="noStrike">
-              <a:solidFill>
-                <a:srgbClr val="000000"/>
-              </a:solidFill>
-              <a:latin typeface="Arial"/>
-            </a:endParaRPr>
-          </a:p>
-          <a:p>
-            <a:pPr lvl="6" marL="3024000" indent="-216000">
+          </a:p>
+          <a:p>
+            <a:pPr marL="3024000" lvl="6" indent="-216000">
               <a:spcBef>
                 <a:spcPts val="283"/>
               </a:spcBef>
@@ -2792,7 +2936,7 @@
               <a:buChar char=""/>
             </a:pPr>
             <a:r>
-              <a:rPr b="0" lang="en-US" sz="2000" spc="-1" strike="noStrike">
+              <a:rPr lang="en-US" sz="2000" b="0" strike="noStrike" spc="-1">
                 <a:solidFill>
                   <a:srgbClr val="000000"/>
                 </a:solidFill>
@@ -2800,12 +2944,6 @@
               </a:rPr>
               <a:t>Seventh Outline Level</a:t>
             </a:r>
-            <a:endParaRPr b="0" lang="en-US" sz="2000" spc="-1" strike="noStrike">
-              <a:solidFill>
-                <a:srgbClr val="000000"/>
-              </a:solidFill>
-              <a:latin typeface="Arial"/>
-            </a:endParaRPr>
           </a:p>
         </p:txBody>
       </p:sp>
@@ -2833,13 +2971,13 @@
           </a:ln>
         </p:spPr>
         <p:txBody>
-          <a:bodyPr lIns="0" rIns="0" tIns="0" bIns="0" anchor="t">
+          <a:bodyPr lIns="0" tIns="0" rIns="0" bIns="0" anchor="t">
             <a:noAutofit/>
           </a:bodyPr>
           <a:lstStyle>
             <a:lvl1pPr indent="0">
               <a:buNone/>
-              <a:defRPr b="0" lang="en-US" sz="1400" spc="-1" strike="noStrike">
+              <a:defRPr lang="en-US" sz="1400" b="0" strike="noStrike" spc="-1">
                 <a:solidFill>
                   <a:srgbClr val="000000"/>
                 </a:solidFill>
@@ -2852,7 +2990,7 @@
               <a:buNone/>
             </a:pPr>
             <a:r>
-              <a:rPr b="0" lang="en-US" sz="1400" spc="-1" strike="noStrike">
+              <a:rPr lang="en-US" sz="1400" b="0" strike="noStrike" spc="-1">
                 <a:solidFill>
                   <a:srgbClr val="000000"/>
                 </a:solidFill>
@@ -2860,12 +2998,6 @@
               </a:rPr>
               <a:t>&lt;date/time&gt;</a:t>
             </a:r>
-            <a:endParaRPr b="0" lang="en-US" sz="1400" spc="-1" strike="noStrike">
-              <a:solidFill>
-                <a:srgbClr val="000000"/>
-              </a:solidFill>
-              <a:latin typeface="Times New Roman"/>
-            </a:endParaRPr>
           </a:p>
         </p:txBody>
       </p:sp>
@@ -2893,13 +3025,13 @@
           </a:ln>
         </p:spPr>
         <p:txBody>
-          <a:bodyPr lIns="0" rIns="0" tIns="0" bIns="0" anchor="t">
+          <a:bodyPr lIns="0" tIns="0" rIns="0" bIns="0" anchor="t">
             <a:noAutofit/>
           </a:bodyPr>
           <a:lstStyle>
             <a:lvl1pPr indent="0" algn="ctr">
               <a:buNone/>
-              <a:defRPr b="0" lang="en-US" sz="1400" spc="-1" strike="noStrike">
+              <a:defRPr lang="en-US" sz="1400" b="0" strike="noStrike" spc="-1">
                 <a:solidFill>
                   <a:srgbClr val="000000"/>
                 </a:solidFill>
@@ -2912,7 +3044,7 @@
               <a:buNone/>
             </a:pPr>
             <a:r>
-              <a:rPr b="0" lang="en-US" sz="1400" spc="-1" strike="noStrike">
+              <a:rPr lang="en-US" sz="1400" b="0" strike="noStrike" spc="-1">
                 <a:solidFill>
                   <a:srgbClr val="000000"/>
                 </a:solidFill>
@@ -2920,12 +3052,6 @@
               </a:rPr>
               <a:t>&lt;footer&gt;</a:t>
             </a:r>
-            <a:endParaRPr b="0" lang="en-US" sz="1400" spc="-1" strike="noStrike">
-              <a:solidFill>
-                <a:srgbClr val="000000"/>
-              </a:solidFill>
-              <a:latin typeface="Times New Roman"/>
-            </a:endParaRPr>
           </a:p>
         </p:txBody>
       </p:sp>
@@ -2953,13 +3079,13 @@
           </a:ln>
         </p:spPr>
         <p:txBody>
-          <a:bodyPr lIns="0" rIns="0" tIns="0" bIns="0" anchor="t">
+          <a:bodyPr lIns="0" tIns="0" rIns="0" bIns="0" anchor="t">
             <a:noAutofit/>
           </a:bodyPr>
           <a:lstStyle>
             <a:lvl1pPr indent="0" algn="r">
               <a:buNone/>
-              <a:defRPr b="0" lang="en-US" sz="1400" spc="-1" strike="noStrike">
+              <a:defRPr lang="en-US" sz="1400" b="0" strike="noStrike" spc="-1">
                 <a:solidFill>
                   <a:srgbClr val="000000"/>
                 </a:solidFill>
@@ -2972,15 +3098,15 @@
               <a:buNone/>
             </a:pPr>
             <a:fld id="{59C7DD49-D20C-4D71-B086-2C39B67A7FA6}" type="slidenum">
-              <a:rPr b="0" lang="en-US" sz="1400" spc="-1" strike="noStrike">
+              <a:rPr lang="en-US" sz="1400" b="0" strike="noStrike" spc="-1">
                 <a:solidFill>
                   <a:srgbClr val="000000"/>
                 </a:solidFill>
                 <a:latin typeface="Times New Roman"/>
               </a:rPr>
-              <a:t>&lt;number&gt;</a:t>
+              <a:t>‹#›</a:t>
             </a:fld>
-            <a:endParaRPr b="0" lang="en-US" sz="1400" spc="-1" strike="noStrike">
+            <a:endParaRPr lang="en-US" sz="1400" b="0" strike="noStrike" spc="-1">
               <a:solidFill>
                 <a:srgbClr val="000000"/>
               </a:solidFill>
@@ -2991,26 +3117,306 @@
       </p:sp>
     </p:spTree>
   </p:cSld>
-  <p:clrMap bg1="lt1" bg2="lt2" tx1="dk1" tx2="dk2" accent1="accent1" accent2="accent2" accent3="accent3" accent4="accent4" accent5="accent5" accent6="accent6" hlink="hlink" folHlink="folHlink"/>
+  <p:clrMap bg1="lt1" tx1="dk1" bg2="lt2" tx2="dk2" accent1="accent1" accent2="accent2" accent3="accent3" accent4="accent4" accent5="accent5" accent6="accent6" hlink="hlink" folHlink="folHlink"/>
   <p:sldLayoutIdLst>
-    <p:sldLayoutId id="2147483649" r:id="rId2"/>
-    <p:sldLayoutId id="2147483650" r:id="rId3"/>
-    <p:sldLayoutId id="2147483651" r:id="rId4"/>
-    <p:sldLayoutId id="2147483652" r:id="rId5"/>
-    <p:sldLayoutId id="2147483653" r:id="rId6"/>
-    <p:sldLayoutId id="2147483654" r:id="rId7"/>
-    <p:sldLayoutId id="2147483655" r:id="rId8"/>
-    <p:sldLayoutId id="2147483656" r:id="rId9"/>
-    <p:sldLayoutId id="2147483657" r:id="rId10"/>
-    <p:sldLayoutId id="2147483658" r:id="rId11"/>
-    <p:sldLayoutId id="2147483659" r:id="rId12"/>
-    <p:sldLayoutId id="2147483660" r:id="rId13"/>
+    <p:sldLayoutId id="2147483649" r:id="rId1"/>
+    <p:sldLayoutId id="2147483650" r:id="rId2"/>
+    <p:sldLayoutId id="2147483651" r:id="rId3"/>
+    <p:sldLayoutId id="2147483652" r:id="rId4"/>
+    <p:sldLayoutId id="2147483653" r:id="rId5"/>
+    <p:sldLayoutId id="2147483654" r:id="rId6"/>
+    <p:sldLayoutId id="2147483655" r:id="rId7"/>
+    <p:sldLayoutId id="2147483656" r:id="rId8"/>
+    <p:sldLayoutId id="2147483657" r:id="rId9"/>
+    <p:sldLayoutId id="2147483658" r:id="rId10"/>
+    <p:sldLayoutId id="2147483659" r:id="rId11"/>
+    <p:sldLayoutId id="2147483660" r:id="rId12"/>
   </p:sldLayoutIdLst>
+  <p:txStyles>
+    <p:titleStyle>
+      <a:lvl1pPr algn="l" defTabSz="914400" rtl="0" eaLnBrk="1" latinLnBrk="0" hangingPunct="1">
+        <a:lnSpc>
+          <a:spcPct val="90000"/>
+        </a:lnSpc>
+        <a:spcBef>
+          <a:spcPct val="0"/>
+        </a:spcBef>
+        <a:buNone/>
+        <a:defRPr sz="4400" kern="1200">
+          <a:solidFill>
+            <a:schemeClr val="tx1"/>
+          </a:solidFill>
+          <a:latin typeface="+mj-lt"/>
+          <a:ea typeface="+mj-ea"/>
+          <a:cs typeface="+mj-cs"/>
+        </a:defRPr>
+      </a:lvl1pPr>
+    </p:titleStyle>
+    <p:bodyStyle>
+      <a:lvl1pPr marL="228600" indent="-228600" algn="l" defTabSz="914400" rtl="0" eaLnBrk="1" latinLnBrk="0" hangingPunct="1">
+        <a:lnSpc>
+          <a:spcPct val="90000"/>
+        </a:lnSpc>
+        <a:spcBef>
+          <a:spcPts val="1000"/>
+        </a:spcBef>
+        <a:buFont typeface="Arial" panose="020B0604020202020204" pitchFamily="34" charset="0"/>
+        <a:buChar char="•"/>
+        <a:defRPr sz="2800" kern="1200">
+          <a:solidFill>
+            <a:schemeClr val="tx1"/>
+          </a:solidFill>
+          <a:latin typeface="+mn-lt"/>
+          <a:ea typeface="+mn-ea"/>
+          <a:cs typeface="+mn-cs"/>
+        </a:defRPr>
+      </a:lvl1pPr>
+      <a:lvl2pPr marL="685800" indent="-228600" algn="l" defTabSz="914400" rtl="0" eaLnBrk="1" latinLnBrk="0" hangingPunct="1">
+        <a:lnSpc>
+          <a:spcPct val="90000"/>
+        </a:lnSpc>
+        <a:spcBef>
+          <a:spcPts val="500"/>
+        </a:spcBef>
+        <a:buFont typeface="Arial" panose="020B0604020202020204" pitchFamily="34" charset="0"/>
+        <a:buChar char="•"/>
+        <a:defRPr sz="2400" kern="1200">
+          <a:solidFill>
+            <a:schemeClr val="tx1"/>
+          </a:solidFill>
+          <a:latin typeface="+mn-lt"/>
+          <a:ea typeface="+mn-ea"/>
+          <a:cs typeface="+mn-cs"/>
+        </a:defRPr>
+      </a:lvl2pPr>
+      <a:lvl3pPr marL="1143000" indent="-228600" algn="l" defTabSz="914400" rtl="0" eaLnBrk="1" latinLnBrk="0" hangingPunct="1">
+        <a:lnSpc>
+          <a:spcPct val="90000"/>
+        </a:lnSpc>
+        <a:spcBef>
+          <a:spcPts val="500"/>
+        </a:spcBef>
+        <a:buFont typeface="Arial" panose="020B0604020202020204" pitchFamily="34" charset="0"/>
+        <a:buChar char="•"/>
+        <a:defRPr sz="2000" kern="1200">
+          <a:solidFill>
+            <a:schemeClr val="tx1"/>
+          </a:solidFill>
+          <a:latin typeface="+mn-lt"/>
+          <a:ea typeface="+mn-ea"/>
+          <a:cs typeface="+mn-cs"/>
+        </a:defRPr>
+      </a:lvl3pPr>
+      <a:lvl4pPr marL="1600200" indent="-228600" algn="l" defTabSz="914400" rtl="0" eaLnBrk="1" latinLnBrk="0" hangingPunct="1">
+        <a:lnSpc>
+          <a:spcPct val="90000"/>
+        </a:lnSpc>
+        <a:spcBef>
+          <a:spcPts val="500"/>
+        </a:spcBef>
+        <a:buFont typeface="Arial" panose="020B0604020202020204" pitchFamily="34" charset="0"/>
+        <a:buChar char="•"/>
+        <a:defRPr sz="1800" kern="1200">
+          <a:solidFill>
+            <a:schemeClr val="tx1"/>
+          </a:solidFill>
+          <a:latin typeface="+mn-lt"/>
+          <a:ea typeface="+mn-ea"/>
+          <a:cs typeface="+mn-cs"/>
+        </a:defRPr>
+      </a:lvl4pPr>
+      <a:lvl5pPr marL="2057400" indent="-228600" algn="l" defTabSz="914400" rtl="0" eaLnBrk="1" latinLnBrk="0" hangingPunct="1">
+        <a:lnSpc>
+          <a:spcPct val="90000"/>
+        </a:lnSpc>
+        <a:spcBef>
+          <a:spcPts val="500"/>
+        </a:spcBef>
+        <a:buFont typeface="Arial" panose="020B0604020202020204" pitchFamily="34" charset="0"/>
+        <a:buChar char="•"/>
+        <a:defRPr sz="1800" kern="1200">
+          <a:solidFill>
+            <a:schemeClr val="tx1"/>
+          </a:solidFill>
+          <a:latin typeface="+mn-lt"/>
+          <a:ea typeface="+mn-ea"/>
+          <a:cs typeface="+mn-cs"/>
+        </a:defRPr>
+      </a:lvl5pPr>
+      <a:lvl6pPr marL="2514600" indent="-228600" algn="l" defTabSz="914400" rtl="0" eaLnBrk="1" latinLnBrk="0" hangingPunct="1">
+        <a:lnSpc>
+          <a:spcPct val="90000"/>
+        </a:lnSpc>
+        <a:spcBef>
+          <a:spcPts val="500"/>
+        </a:spcBef>
+        <a:buFont typeface="Arial" panose="020B0604020202020204" pitchFamily="34" charset="0"/>
+        <a:buChar char="•"/>
+        <a:defRPr sz="1800" kern="1200">
+          <a:solidFill>
+            <a:schemeClr val="tx1"/>
+          </a:solidFill>
+          <a:latin typeface="+mn-lt"/>
+          <a:ea typeface="+mn-ea"/>
+          <a:cs typeface="+mn-cs"/>
+        </a:defRPr>
+      </a:lvl6pPr>
+      <a:lvl7pPr marL="2971800" indent="-228600" algn="l" defTabSz="914400" rtl="0" eaLnBrk="1" latinLnBrk="0" hangingPunct="1">
+        <a:lnSpc>
+          <a:spcPct val="90000"/>
+        </a:lnSpc>
+        <a:spcBef>
+          <a:spcPts val="500"/>
+        </a:spcBef>
+        <a:buFont typeface="Arial" panose="020B0604020202020204" pitchFamily="34" charset="0"/>
+        <a:buChar char="•"/>
+        <a:defRPr sz="1800" kern="1200">
+          <a:solidFill>
+            <a:schemeClr val="tx1"/>
+          </a:solidFill>
+          <a:latin typeface="+mn-lt"/>
+          <a:ea typeface="+mn-ea"/>
+          <a:cs typeface="+mn-cs"/>
+        </a:defRPr>
+      </a:lvl7pPr>
+      <a:lvl8pPr marL="3429000" indent="-228600" algn="l" defTabSz="914400" rtl="0" eaLnBrk="1" latinLnBrk="0" hangingPunct="1">
+        <a:lnSpc>
+          <a:spcPct val="90000"/>
+        </a:lnSpc>
+        <a:spcBef>
+          <a:spcPts val="500"/>
+        </a:spcBef>
+        <a:buFont typeface="Arial" panose="020B0604020202020204" pitchFamily="34" charset="0"/>
+        <a:buChar char="•"/>
+        <a:defRPr sz="1800" kern="1200">
+          <a:solidFill>
+            <a:schemeClr val="tx1"/>
+          </a:solidFill>
+          <a:latin typeface="+mn-lt"/>
+          <a:ea typeface="+mn-ea"/>
+          <a:cs typeface="+mn-cs"/>
+        </a:defRPr>
+      </a:lvl8pPr>
+      <a:lvl9pPr marL="3886200" indent="-228600" algn="l" defTabSz="914400" rtl="0" eaLnBrk="1" latinLnBrk="0" hangingPunct="1">
+        <a:lnSpc>
+          <a:spcPct val="90000"/>
+        </a:lnSpc>
+        <a:spcBef>
+          <a:spcPts val="500"/>
+        </a:spcBef>
+        <a:buFont typeface="Arial" panose="020B0604020202020204" pitchFamily="34" charset="0"/>
+        <a:buChar char="•"/>
+        <a:defRPr sz="1800" kern="1200">
+          <a:solidFill>
+            <a:schemeClr val="tx1"/>
+          </a:solidFill>
+          <a:latin typeface="+mn-lt"/>
+          <a:ea typeface="+mn-ea"/>
+          <a:cs typeface="+mn-cs"/>
+        </a:defRPr>
+      </a:lvl9pPr>
+    </p:bodyStyle>
+    <p:otherStyle>
+      <a:defPPr>
+        <a:defRPr lang="en-US"/>
+      </a:defPPr>
+      <a:lvl1pPr marL="0" algn="l" defTabSz="914400" rtl="0" eaLnBrk="1" latinLnBrk="0" hangingPunct="1">
+        <a:defRPr sz="1800" kern="1200">
+          <a:solidFill>
+            <a:schemeClr val="tx1"/>
+          </a:solidFill>
+          <a:latin typeface="+mn-lt"/>
+          <a:ea typeface="+mn-ea"/>
+          <a:cs typeface="+mn-cs"/>
+        </a:defRPr>
+      </a:lvl1pPr>
+      <a:lvl2pPr marL="457200" algn="l" defTabSz="914400" rtl="0" eaLnBrk="1" latinLnBrk="0" hangingPunct="1">
+        <a:defRPr sz="1800" kern="1200">
+          <a:solidFill>
+            <a:schemeClr val="tx1"/>
+          </a:solidFill>
+          <a:latin typeface="+mn-lt"/>
+          <a:ea typeface="+mn-ea"/>
+          <a:cs typeface="+mn-cs"/>
+        </a:defRPr>
+      </a:lvl2pPr>
+      <a:lvl3pPr marL="914400" algn="l" defTabSz="914400" rtl="0" eaLnBrk="1" latinLnBrk="0" hangingPunct="1">
+        <a:defRPr sz="1800" kern="1200">
+          <a:solidFill>
+            <a:schemeClr val="tx1"/>
+          </a:solidFill>
+          <a:latin typeface="+mn-lt"/>
+          <a:ea typeface="+mn-ea"/>
+          <a:cs typeface="+mn-cs"/>
+        </a:defRPr>
+      </a:lvl3pPr>
+      <a:lvl4pPr marL="1371600" algn="l" defTabSz="914400" rtl="0" eaLnBrk="1" latinLnBrk="0" hangingPunct="1">
+        <a:defRPr sz="1800" kern="1200">
+          <a:solidFill>
+            <a:schemeClr val="tx1"/>
+          </a:solidFill>
+          <a:latin typeface="+mn-lt"/>
+          <a:ea typeface="+mn-ea"/>
+          <a:cs typeface="+mn-cs"/>
+        </a:defRPr>
+      </a:lvl4pPr>
+      <a:lvl5pPr marL="1828800" algn="l" defTabSz="914400" rtl="0" eaLnBrk="1" latinLnBrk="0" hangingPunct="1">
+        <a:defRPr sz="1800" kern="1200">
+          <a:solidFill>
+            <a:schemeClr val="tx1"/>
+          </a:solidFill>
+          <a:latin typeface="+mn-lt"/>
+          <a:ea typeface="+mn-ea"/>
+          <a:cs typeface="+mn-cs"/>
+        </a:defRPr>
+      </a:lvl5pPr>
+      <a:lvl6pPr marL="2286000" algn="l" defTabSz="914400" rtl="0" eaLnBrk="1" latinLnBrk="0" hangingPunct="1">
+        <a:defRPr sz="1800" kern="1200">
+          <a:solidFill>
+            <a:schemeClr val="tx1"/>
+          </a:solidFill>
+          <a:latin typeface="+mn-lt"/>
+          <a:ea typeface="+mn-ea"/>
+          <a:cs typeface="+mn-cs"/>
+        </a:defRPr>
+      </a:lvl6pPr>
+      <a:lvl7pPr marL="2743200" algn="l" defTabSz="914400" rtl="0" eaLnBrk="1" latinLnBrk="0" hangingPunct="1">
+        <a:defRPr sz="1800" kern="1200">
+          <a:solidFill>
+            <a:schemeClr val="tx1"/>
+          </a:solidFill>
+          <a:latin typeface="+mn-lt"/>
+          <a:ea typeface="+mn-ea"/>
+          <a:cs typeface="+mn-cs"/>
+        </a:defRPr>
+      </a:lvl7pPr>
+      <a:lvl8pPr marL="3200400" algn="l" defTabSz="914400" rtl="0" eaLnBrk="1" latinLnBrk="0" hangingPunct="1">
+        <a:defRPr sz="1800" kern="1200">
+          <a:solidFill>
+            <a:schemeClr val="tx1"/>
+          </a:solidFill>
+          <a:latin typeface="+mn-lt"/>
+          <a:ea typeface="+mn-ea"/>
+          <a:cs typeface="+mn-cs"/>
+        </a:defRPr>
+      </a:lvl8pPr>
+      <a:lvl9pPr marL="3657600" algn="l" defTabSz="914400" rtl="0" eaLnBrk="1" latinLnBrk="0" hangingPunct="1">
+        <a:defRPr sz="1800" kern="1200">
+          <a:solidFill>
+            <a:schemeClr val="tx1"/>
+          </a:solidFill>
+          <a:latin typeface="+mn-lt"/>
+          <a:ea typeface="+mn-ea"/>
+          <a:cs typeface="+mn-cs"/>
+        </a:defRPr>
+      </a:lvl9pPr>
+    </p:otherStyle>
+  </p:txStyles>
 </p:sldMaster>
 </file>
 
 <file path=ppt/slides/slide1.xml><?xml version="1.0" encoding="utf-8"?>
-<p:sld xmlns:a="http://schemas.openxmlformats.org/drawingml/2006/main" xmlns:p="http://schemas.openxmlformats.org/presentationml/2006/main" xmlns:r="http://schemas.openxmlformats.org/officeDocument/2006/relationships" xmlns:p14="http://schemas.microsoft.com/office/powerpoint/2010/main" xmlns:p15="http://schemas.microsoft.com/office/powerpoint/2012/main" xmlns:mc="http://schemas.openxmlformats.org/markup-compatibility/2006">
+<p:sld xmlns:a="http://schemas.openxmlformats.org/drawingml/2006/main" xmlns:r="http://schemas.openxmlformats.org/officeDocument/2006/relationships" xmlns:p="http://schemas.openxmlformats.org/presentationml/2006/main">
   <p:cSld>
     <p:spTree>
       <p:nvGrpSpPr>
@@ -3028,210 +3434,7 @@
       </p:grpSpPr>
       <p:pic>
         <p:nvPicPr>
-          <p:cNvPr id="41" name="" descr=""/>
-          <p:cNvPicPr/>
-          <p:nvPr/>
-        </p:nvPicPr>
-        <p:blipFill>
-          <a:blip r:embed="rId1"/>
-          <a:stretch/>
-        </p:blipFill>
-        <p:spPr>
-          <a:xfrm>
-            <a:off x="3429000" y="-685800"/>
-            <a:ext cx="5257800" cy="2764080"/>
-          </a:xfrm>
-          <a:prstGeom prst="rect">
-            <a:avLst/>
-          </a:prstGeom>
-          <a:ln w="0">
-            <a:noFill/>
-          </a:ln>
-        </p:spPr>
-      </p:pic>
-      <p:sp>
-        <p:nvSpPr>
-          <p:cNvPr id="42" name=""/>
-          <p:cNvSpPr/>
-          <p:nvPr/>
-        </p:nvSpPr>
-        <p:spPr>
-          <a:xfrm>
-            <a:off x="4114800" y="1828800"/>
-            <a:ext cx="3429000" cy="1371600"/>
-          </a:xfrm>
-          <a:prstGeom prst="rect">
-            <a:avLst/>
-          </a:prstGeom>
-          <a:solidFill>
-            <a:srgbClr val="b4c7dc">
-              <a:alpha val="30000"/>
-            </a:srgbClr>
-          </a:solidFill>
-          <a:ln w="0">
-            <a:solidFill>
-              <a:srgbClr val="3465a4"/>
-            </a:solidFill>
-          </a:ln>
-        </p:spPr>
-        <p:style>
-          <a:lnRef idx="0"/>
-          <a:fillRef idx="0"/>
-          <a:effectRef idx="0"/>
-          <a:fontRef idx="minor"/>
-        </p:style>
-        <p:txBody>
-          <a:bodyPr lIns="90000" rIns="90000" tIns="45000" bIns="45000" anchor="ctr">
-            <a:noAutofit/>
-          </a:bodyPr>
-          <a:p>
-            <a:endParaRPr b="0" lang="en-US" sz="1800" spc="-1" strike="noStrike">
-              <a:solidFill>
-                <a:srgbClr val="000000"/>
-              </a:solidFill>
-              <a:latin typeface="Arial"/>
-            </a:endParaRPr>
-          </a:p>
-        </p:txBody>
-      </p:sp>
-      <p:sp>
-        <p:nvSpPr>
-          <p:cNvPr id="43" name=""/>
-          <p:cNvSpPr/>
-          <p:nvPr/>
-        </p:nvSpPr>
-        <p:spPr>
-          <a:xfrm>
-            <a:off x="457200" y="1600200"/>
-            <a:ext cx="3429000" cy="1371600"/>
-          </a:xfrm>
-          <a:prstGeom prst="rect">
-            <a:avLst/>
-          </a:prstGeom>
-          <a:solidFill>
-            <a:srgbClr val="b4c7dc">
-              <a:alpha val="30000"/>
-            </a:srgbClr>
-          </a:solidFill>
-          <a:ln w="0">
-            <a:solidFill>
-              <a:srgbClr val="3465a4"/>
-            </a:solidFill>
-          </a:ln>
-        </p:spPr>
-        <p:style>
-          <a:lnRef idx="0"/>
-          <a:fillRef idx="0"/>
-          <a:effectRef idx="0"/>
-          <a:fontRef idx="minor"/>
-        </p:style>
-        <p:txBody>
-          <a:bodyPr lIns="90000" rIns="90000" tIns="45000" bIns="45000" anchor="ctr">
-            <a:noAutofit/>
-          </a:bodyPr>
-          <a:p>
-            <a:endParaRPr b="0" lang="en-US" sz="1800" spc="-1" strike="noStrike">
-              <a:solidFill>
-                <a:srgbClr val="000000"/>
-              </a:solidFill>
-              <a:latin typeface="Arial"/>
-            </a:endParaRPr>
-          </a:p>
-        </p:txBody>
-      </p:sp>
-      <p:sp>
-        <p:nvSpPr>
-          <p:cNvPr id="44" name=""/>
-          <p:cNvSpPr/>
-          <p:nvPr/>
-        </p:nvSpPr>
-        <p:spPr>
-          <a:xfrm>
-            <a:off x="457200" y="3187800"/>
-            <a:ext cx="9372600" cy="1371600"/>
-          </a:xfrm>
-          <a:prstGeom prst="rect">
-            <a:avLst/>
-          </a:prstGeom>
-          <a:solidFill>
-            <a:srgbClr val="b4c7dc">
-              <a:alpha val="30000"/>
-            </a:srgbClr>
-          </a:solidFill>
-          <a:ln w="0">
-            <a:solidFill>
-              <a:srgbClr val="3465a4"/>
-            </a:solidFill>
-          </a:ln>
-        </p:spPr>
-        <p:style>
-          <a:lnRef idx="0"/>
-          <a:fillRef idx="0"/>
-          <a:effectRef idx="0"/>
-          <a:fontRef idx="minor"/>
-        </p:style>
-        <p:txBody>
-          <a:bodyPr lIns="90000" rIns="90000" tIns="45000" bIns="45000" anchor="ctr">
-            <a:noAutofit/>
-          </a:bodyPr>
-          <a:p>
-            <a:endParaRPr b="0" lang="en-US" sz="1800" spc="-1" strike="noStrike">
-              <a:solidFill>
-                <a:srgbClr val="000000"/>
-              </a:solidFill>
-              <a:latin typeface="Arial"/>
-            </a:endParaRPr>
-          </a:p>
-        </p:txBody>
-      </p:sp>
-      <p:sp>
-        <p:nvSpPr>
-          <p:cNvPr id="45" name=""/>
-          <p:cNvSpPr/>
-          <p:nvPr/>
-        </p:nvSpPr>
-        <p:spPr>
-          <a:xfrm>
-            <a:off x="457200" y="4572000"/>
-            <a:ext cx="9372600" cy="914400"/>
-          </a:xfrm>
-          <a:prstGeom prst="rect">
-            <a:avLst/>
-          </a:prstGeom>
-          <a:solidFill>
-            <a:srgbClr val="55308d">
-              <a:alpha val="30000"/>
-            </a:srgbClr>
-          </a:solidFill>
-          <a:ln w="0">
-            <a:solidFill>
-              <a:srgbClr val="3465a4"/>
-            </a:solidFill>
-          </a:ln>
-        </p:spPr>
-        <p:style>
-          <a:lnRef idx="0"/>
-          <a:fillRef idx="0"/>
-          <a:effectRef idx="0"/>
-          <a:fontRef idx="minor"/>
-        </p:style>
-        <p:txBody>
-          <a:bodyPr lIns="90000" rIns="90000" tIns="45000" bIns="45000" anchor="ctr">
-            <a:noAutofit/>
-          </a:bodyPr>
-          <a:p>
-            <a:endParaRPr b="0" lang="en-US" sz="1800" spc="-1" strike="noStrike">
-              <a:solidFill>
-                <a:srgbClr val="000000"/>
-              </a:solidFill>
-              <a:latin typeface="Arial"/>
-            </a:endParaRPr>
-          </a:p>
-        </p:txBody>
-      </p:sp>
-      <p:pic>
-        <p:nvPicPr>
-          <p:cNvPr id="46" name="" descr=""/>
+          <p:cNvPr id="41" name="Picture 40"/>
           <p:cNvPicPr/>
           <p:nvPr/>
         </p:nvPicPr>
@@ -3241,8 +3444,8 @@
         </p:blipFill>
         <p:spPr>
           <a:xfrm>
-            <a:off x="829800" y="4608000"/>
-            <a:ext cx="685800" cy="685800"/>
+            <a:off x="3429000" y="-685800"/>
+            <a:ext cx="5257800" cy="2764080"/>
           </a:xfrm>
           <a:prstGeom prst="rect">
             <a:avLst/>
@@ -3252,21 +3455,228 @@
           </a:ln>
         </p:spPr>
       </p:pic>
+      <p:sp>
+        <p:nvSpPr>
+          <p:cNvPr id="42" name="Rectangle 41"/>
+          <p:cNvSpPr/>
+          <p:nvPr/>
+        </p:nvSpPr>
+        <p:spPr>
+          <a:xfrm>
+            <a:off x="4148435" y="1645920"/>
+            <a:ext cx="3429000" cy="1371600"/>
+          </a:xfrm>
+          <a:prstGeom prst="rect">
+            <a:avLst/>
+          </a:prstGeom>
+          <a:solidFill>
+            <a:srgbClr val="B4C7DC">
+              <a:alpha val="30000"/>
+            </a:srgbClr>
+          </a:solidFill>
+          <a:ln w="0">
+            <a:solidFill>
+              <a:srgbClr val="3465A4"/>
+            </a:solidFill>
+          </a:ln>
+        </p:spPr>
+        <p:style>
+          <a:lnRef idx="0">
+            <a:scrgbClr r="0" g="0" b="0"/>
+          </a:lnRef>
+          <a:fillRef idx="0">
+            <a:scrgbClr r="0" g="0" b="0"/>
+          </a:fillRef>
+          <a:effectRef idx="0">
+            <a:scrgbClr r="0" g="0" b="0"/>
+          </a:effectRef>
+          <a:fontRef idx="minor"/>
+        </p:style>
+        <p:txBody>
+          <a:bodyPr lIns="90000" tIns="45000" rIns="90000" bIns="45000" anchor="ctr">
+            <a:noAutofit/>
+          </a:bodyPr>
+          <a:lstStyle/>
+          <a:p>
+            <a:endParaRPr lang="en-US" sz="1800" b="0" strike="noStrike" spc="-1">
+              <a:solidFill>
+                <a:srgbClr val="000000"/>
+              </a:solidFill>
+              <a:latin typeface="Arial"/>
+            </a:endParaRPr>
+          </a:p>
+        </p:txBody>
+      </p:sp>
+      <p:sp>
+        <p:nvSpPr>
+          <p:cNvPr id="43" name="Rectangle 42"/>
+          <p:cNvSpPr/>
+          <p:nvPr/>
+        </p:nvSpPr>
+        <p:spPr>
+          <a:xfrm>
+            <a:off x="457200" y="1600200"/>
+            <a:ext cx="3429000" cy="1371600"/>
+          </a:xfrm>
+          <a:prstGeom prst="rect">
+            <a:avLst/>
+          </a:prstGeom>
+          <a:solidFill>
+            <a:srgbClr val="B4C7DC">
+              <a:alpha val="30000"/>
+            </a:srgbClr>
+          </a:solidFill>
+          <a:ln w="0">
+            <a:solidFill>
+              <a:srgbClr val="3465A4"/>
+            </a:solidFill>
+          </a:ln>
+        </p:spPr>
+        <p:style>
+          <a:lnRef idx="0">
+            <a:scrgbClr r="0" g="0" b="0"/>
+          </a:lnRef>
+          <a:fillRef idx="0">
+            <a:scrgbClr r="0" g="0" b="0"/>
+          </a:fillRef>
+          <a:effectRef idx="0">
+            <a:scrgbClr r="0" g="0" b="0"/>
+          </a:effectRef>
+          <a:fontRef idx="minor"/>
+        </p:style>
+        <p:txBody>
+          <a:bodyPr lIns="90000" tIns="45000" rIns="90000" bIns="45000" anchor="ctr">
+            <a:noAutofit/>
+          </a:bodyPr>
+          <a:lstStyle/>
+          <a:p>
+            <a:endParaRPr lang="en-US" sz="1800" b="0" strike="noStrike" spc="-1">
+              <a:solidFill>
+                <a:srgbClr val="000000"/>
+              </a:solidFill>
+              <a:latin typeface="Arial"/>
+            </a:endParaRPr>
+          </a:p>
+        </p:txBody>
+      </p:sp>
+      <p:sp>
+        <p:nvSpPr>
+          <p:cNvPr id="44" name="Rectangle 43"/>
+          <p:cNvSpPr/>
+          <p:nvPr/>
+        </p:nvSpPr>
+        <p:spPr>
+          <a:xfrm>
+            <a:off x="457200" y="3187800"/>
+            <a:ext cx="9372600" cy="1371600"/>
+          </a:xfrm>
+          <a:prstGeom prst="rect">
+            <a:avLst/>
+          </a:prstGeom>
+          <a:solidFill>
+            <a:srgbClr val="B4C7DC">
+              <a:alpha val="30000"/>
+            </a:srgbClr>
+          </a:solidFill>
+          <a:ln w="0">
+            <a:solidFill>
+              <a:srgbClr val="3465A4"/>
+            </a:solidFill>
+          </a:ln>
+        </p:spPr>
+        <p:style>
+          <a:lnRef idx="0">
+            <a:scrgbClr r="0" g="0" b="0"/>
+          </a:lnRef>
+          <a:fillRef idx="0">
+            <a:scrgbClr r="0" g="0" b="0"/>
+          </a:fillRef>
+          <a:effectRef idx="0">
+            <a:scrgbClr r="0" g="0" b="0"/>
+          </a:effectRef>
+          <a:fontRef idx="minor"/>
+        </p:style>
+        <p:txBody>
+          <a:bodyPr lIns="90000" tIns="45000" rIns="90000" bIns="45000" anchor="ctr">
+            <a:noAutofit/>
+          </a:bodyPr>
+          <a:lstStyle/>
+          <a:p>
+            <a:endParaRPr lang="en-US" sz="1800" b="0" strike="noStrike" spc="-1">
+              <a:solidFill>
+                <a:srgbClr val="000000"/>
+              </a:solidFill>
+              <a:latin typeface="Arial"/>
+            </a:endParaRPr>
+          </a:p>
+        </p:txBody>
+      </p:sp>
+      <p:sp>
+        <p:nvSpPr>
+          <p:cNvPr id="45" name="Rectangle 44"/>
+          <p:cNvSpPr/>
+          <p:nvPr/>
+        </p:nvSpPr>
+        <p:spPr>
+          <a:xfrm>
+            <a:off x="457200" y="4572000"/>
+            <a:ext cx="9372600" cy="914400"/>
+          </a:xfrm>
+          <a:prstGeom prst="rect">
+            <a:avLst/>
+          </a:prstGeom>
+          <a:solidFill>
+            <a:srgbClr val="55308D">
+              <a:alpha val="30000"/>
+            </a:srgbClr>
+          </a:solidFill>
+          <a:ln w="0">
+            <a:solidFill>
+              <a:srgbClr val="3465A4"/>
+            </a:solidFill>
+          </a:ln>
+        </p:spPr>
+        <p:style>
+          <a:lnRef idx="0">
+            <a:scrgbClr r="0" g="0" b="0"/>
+          </a:lnRef>
+          <a:fillRef idx="0">
+            <a:scrgbClr r="0" g="0" b="0"/>
+          </a:fillRef>
+          <a:effectRef idx="0">
+            <a:scrgbClr r="0" g="0" b="0"/>
+          </a:effectRef>
+          <a:fontRef idx="minor"/>
+        </p:style>
+        <p:txBody>
+          <a:bodyPr lIns="90000" tIns="45000" rIns="90000" bIns="45000" anchor="ctr">
+            <a:noAutofit/>
+          </a:bodyPr>
+          <a:lstStyle/>
+          <a:p>
+            <a:endParaRPr lang="en-US" sz="1800" b="0" strike="noStrike" spc="-1">
+              <a:solidFill>
+                <a:srgbClr val="000000"/>
+              </a:solidFill>
+              <a:latin typeface="Arial"/>
+            </a:endParaRPr>
+          </a:p>
+        </p:txBody>
+      </p:sp>
       <p:pic>
         <p:nvPicPr>
-          <p:cNvPr id="47" name="" descr=""/>
+          <p:cNvPr id="46" name="Picture 45"/>
           <p:cNvPicPr/>
           <p:nvPr/>
         </p:nvPicPr>
         <p:blipFill>
           <a:blip r:embed="rId3"/>
-          <a:srcRect l="37278" t="20156" r="32432" b="20893"/>
           <a:stretch/>
         </p:blipFill>
         <p:spPr>
-          <a:xfrm rot="16189200">
-            <a:off x="1937160" y="3360240"/>
-            <a:ext cx="1131480" cy="1272240"/>
+          <a:xfrm>
+            <a:off x="829800" y="4608000"/>
+            <a:ext cx="685800" cy="685800"/>
           </a:xfrm>
           <a:prstGeom prst="rect">
             <a:avLst/>
@@ -3278,19 +3688,19 @@
       </p:pic>
       <p:pic>
         <p:nvPicPr>
-          <p:cNvPr id="48" name="" descr=""/>
+          <p:cNvPr id="47" name="Picture 46"/>
           <p:cNvPicPr/>
           <p:nvPr/>
         </p:nvPicPr>
         <p:blipFill>
           <a:blip r:embed="rId4"/>
-          <a:srcRect l="36862" t="20146" r="32841" b="22189"/>
+          <a:srcRect l="37278" t="20156" r="32432" b="20893"/>
           <a:stretch/>
         </p:blipFill>
         <p:spPr>
-          <a:xfrm rot="16200000">
-            <a:off x="561600" y="3448800"/>
-            <a:ext cx="1069560" cy="1176480"/>
+          <a:xfrm rot="16189200">
+            <a:off x="1937160" y="3360240"/>
+            <a:ext cx="1131480" cy="1272240"/>
           </a:xfrm>
           <a:prstGeom prst="rect">
             <a:avLst/>
@@ -3302,19 +3712,19 @@
       </p:pic>
       <p:pic>
         <p:nvPicPr>
-          <p:cNvPr id="49" name="" descr=""/>
+          <p:cNvPr id="48" name="Picture 47"/>
           <p:cNvPicPr/>
           <p:nvPr/>
         </p:nvPicPr>
         <p:blipFill>
           <a:blip r:embed="rId5"/>
-          <a:srcRect l="36662" t="13475" r="33335" b="23076"/>
+          <a:srcRect l="36862" t="20146" r="32841" b="22189"/>
           <a:stretch/>
         </p:blipFill>
         <p:spPr>
-          <a:xfrm rot="16210800">
-            <a:off x="3221640" y="3273120"/>
-            <a:ext cx="1159920" cy="1418040"/>
+          <a:xfrm rot="16200000">
+            <a:off x="561600" y="3448800"/>
+            <a:ext cx="1069560" cy="1176480"/>
           </a:xfrm>
           <a:prstGeom prst="rect">
             <a:avLst/>
@@ -3326,18 +3736,19 @@
       </p:pic>
       <p:pic>
         <p:nvPicPr>
-          <p:cNvPr id="50" name="" descr=""/>
+          <p:cNvPr id="49" name="Picture 48"/>
           <p:cNvPicPr/>
           <p:nvPr/>
         </p:nvPicPr>
         <p:blipFill>
           <a:blip r:embed="rId6"/>
+          <a:srcRect l="36662" t="13475" r="33335" b="23076"/>
           <a:stretch/>
         </p:blipFill>
         <p:spPr>
-          <a:xfrm>
-            <a:off x="2226600" y="4584600"/>
-            <a:ext cx="685800" cy="685800"/>
+          <a:xfrm rot="16210800">
+            <a:off x="3221640" y="3273120"/>
+            <a:ext cx="1159920" cy="1418040"/>
           </a:xfrm>
           <a:prstGeom prst="rect">
             <a:avLst/>
@@ -3349,18 +3760,411 @@
       </p:pic>
       <p:pic>
         <p:nvPicPr>
-          <p:cNvPr id="51" name="" descr=""/>
+          <p:cNvPr id="50" name="Picture 49"/>
+          <p:cNvPicPr/>
+          <p:nvPr/>
+        </p:nvPicPr>
+        <p:blipFill>
+          <a:blip r:embed="rId3"/>
+          <a:stretch/>
+        </p:blipFill>
+        <p:spPr>
+          <a:xfrm>
+            <a:off x="2226600" y="4584600"/>
+            <a:ext cx="685800" cy="685800"/>
+          </a:xfrm>
+          <a:prstGeom prst="rect">
+            <a:avLst/>
+          </a:prstGeom>
+          <a:ln w="0">
+            <a:noFill/>
+          </a:ln>
+        </p:spPr>
+      </p:pic>
+      <p:pic>
+        <p:nvPicPr>
+          <p:cNvPr id="51" name="Picture 50"/>
+          <p:cNvPicPr/>
+          <p:nvPr/>
+        </p:nvPicPr>
+        <p:blipFill>
+          <a:blip r:embed="rId3"/>
+          <a:stretch/>
+        </p:blipFill>
+        <p:spPr>
+          <a:xfrm>
+            <a:off x="3634200" y="4608000"/>
+            <a:ext cx="685800" cy="685800"/>
+          </a:xfrm>
+          <a:prstGeom prst="rect">
+            <a:avLst/>
+          </a:prstGeom>
+          <a:ln w="0">
+            <a:noFill/>
+          </a:ln>
+        </p:spPr>
+      </p:pic>
+      <p:pic>
+        <p:nvPicPr>
+          <p:cNvPr id="52" name="Picture 51"/>
+          <p:cNvPicPr/>
+          <p:nvPr/>
+        </p:nvPicPr>
+        <p:blipFill>
+          <a:blip r:embed="rId3"/>
+          <a:stretch/>
+        </p:blipFill>
+        <p:spPr>
+          <a:xfrm>
+            <a:off x="5065200" y="4608000"/>
+            <a:ext cx="685800" cy="685800"/>
+          </a:xfrm>
+          <a:prstGeom prst="rect">
+            <a:avLst/>
+          </a:prstGeom>
+          <a:ln w="0">
+            <a:noFill/>
+          </a:ln>
+        </p:spPr>
+      </p:pic>
+      <p:pic>
+        <p:nvPicPr>
+          <p:cNvPr id="53" name="Picture 52"/>
+          <p:cNvPicPr/>
+          <p:nvPr/>
+        </p:nvPicPr>
+        <p:blipFill>
+          <a:blip r:embed="rId3"/>
+          <a:stretch/>
+        </p:blipFill>
+        <p:spPr>
+          <a:xfrm>
+            <a:off x="8915400" y="4572000"/>
+            <a:ext cx="685800" cy="685800"/>
+          </a:xfrm>
+          <a:prstGeom prst="rect">
+            <a:avLst/>
+          </a:prstGeom>
+          <a:ln w="0">
+            <a:noFill/>
+          </a:ln>
+        </p:spPr>
+      </p:pic>
+      <p:sp>
+        <p:nvSpPr>
+          <p:cNvPr id="54" name="Oval 53"/>
+          <p:cNvSpPr/>
+          <p:nvPr/>
+        </p:nvSpPr>
+        <p:spPr>
+          <a:xfrm>
+            <a:off x="7315200" y="4800600"/>
+            <a:ext cx="137160" cy="137160"/>
+          </a:xfrm>
+          <a:prstGeom prst="ellipse">
+            <a:avLst/>
+          </a:prstGeom>
+          <a:solidFill>
+            <a:srgbClr val="06423A"/>
+          </a:solidFill>
+          <a:ln w="0">
+            <a:solidFill>
+              <a:srgbClr val="3465A4"/>
+            </a:solidFill>
+          </a:ln>
+        </p:spPr>
+        <p:style>
+          <a:lnRef idx="0">
+            <a:scrgbClr r="0" g="0" b="0"/>
+          </a:lnRef>
+          <a:fillRef idx="0">
+            <a:scrgbClr r="0" g="0" b="0"/>
+          </a:fillRef>
+          <a:effectRef idx="0">
+            <a:scrgbClr r="0" g="0" b="0"/>
+          </a:effectRef>
+          <a:fontRef idx="minor"/>
+        </p:style>
+        <p:txBody>
+          <a:bodyPr lIns="90000" tIns="45000" rIns="90000" bIns="45000" anchor="ctr">
+            <a:noAutofit/>
+          </a:bodyPr>
+          <a:lstStyle/>
+          <a:p>
+            <a:endParaRPr lang="en-US" sz="1800" b="0" strike="noStrike" spc="-1">
+              <a:solidFill>
+                <a:srgbClr val="FFFFFF"/>
+              </a:solidFill>
+              <a:latin typeface="Arial"/>
+            </a:endParaRPr>
+          </a:p>
+        </p:txBody>
+      </p:sp>
+      <p:sp>
+        <p:nvSpPr>
+          <p:cNvPr id="55" name="Oval 54"/>
+          <p:cNvSpPr/>
+          <p:nvPr/>
+        </p:nvSpPr>
+        <p:spPr>
+          <a:xfrm>
+            <a:off x="7531200" y="4800600"/>
+            <a:ext cx="137160" cy="137160"/>
+          </a:xfrm>
+          <a:prstGeom prst="ellipse">
+            <a:avLst/>
+          </a:prstGeom>
+          <a:solidFill>
+            <a:srgbClr val="06423A"/>
+          </a:solidFill>
+          <a:ln w="0">
+            <a:solidFill>
+              <a:srgbClr val="3465A4"/>
+            </a:solidFill>
+          </a:ln>
+        </p:spPr>
+        <p:style>
+          <a:lnRef idx="0">
+            <a:scrgbClr r="0" g="0" b="0"/>
+          </a:lnRef>
+          <a:fillRef idx="0">
+            <a:scrgbClr r="0" g="0" b="0"/>
+          </a:fillRef>
+          <a:effectRef idx="0">
+            <a:scrgbClr r="0" g="0" b="0"/>
+          </a:effectRef>
+          <a:fontRef idx="minor"/>
+        </p:style>
+        <p:txBody>
+          <a:bodyPr lIns="90000" tIns="45000" rIns="90000" bIns="45000" anchor="ctr">
+            <a:noAutofit/>
+          </a:bodyPr>
+          <a:lstStyle/>
+          <a:p>
+            <a:endParaRPr lang="en-US" sz="1800" b="0" strike="noStrike" spc="-1">
+              <a:solidFill>
+                <a:srgbClr val="FFFFFF"/>
+              </a:solidFill>
+              <a:latin typeface="Arial"/>
+            </a:endParaRPr>
+          </a:p>
+        </p:txBody>
+      </p:sp>
+      <p:sp>
+        <p:nvSpPr>
+          <p:cNvPr id="56" name="Oval 55"/>
+          <p:cNvSpPr/>
+          <p:nvPr/>
+        </p:nvSpPr>
+        <p:spPr>
+          <a:xfrm>
+            <a:off x="7747200" y="4800600"/>
+            <a:ext cx="137160" cy="137160"/>
+          </a:xfrm>
+          <a:prstGeom prst="ellipse">
+            <a:avLst/>
+          </a:prstGeom>
+          <a:solidFill>
+            <a:srgbClr val="06423A"/>
+          </a:solidFill>
+          <a:ln w="0">
+            <a:solidFill>
+              <a:srgbClr val="3465A4"/>
+            </a:solidFill>
+          </a:ln>
+        </p:spPr>
+        <p:style>
+          <a:lnRef idx="0">
+            <a:scrgbClr r="0" g="0" b="0"/>
+          </a:lnRef>
+          <a:fillRef idx="0">
+            <a:scrgbClr r="0" g="0" b="0"/>
+          </a:fillRef>
+          <a:effectRef idx="0">
+            <a:scrgbClr r="0" g="0" b="0"/>
+          </a:effectRef>
+          <a:fontRef idx="minor"/>
+        </p:style>
+        <p:txBody>
+          <a:bodyPr lIns="90000" tIns="45000" rIns="90000" bIns="45000" anchor="ctr">
+            <a:noAutofit/>
+          </a:bodyPr>
+          <a:lstStyle/>
+          <a:p>
+            <a:endParaRPr lang="en-US" sz="1800" b="0" strike="noStrike" spc="-1">
+              <a:solidFill>
+                <a:srgbClr val="FFFFFF"/>
+              </a:solidFill>
+              <a:latin typeface="Arial"/>
+            </a:endParaRPr>
+          </a:p>
+        </p:txBody>
+      </p:sp>
+      <p:sp>
+        <p:nvSpPr>
+          <p:cNvPr id="57" name="Oval 56"/>
+          <p:cNvSpPr/>
+          <p:nvPr/>
+        </p:nvSpPr>
+        <p:spPr>
+          <a:xfrm>
+            <a:off x="7963200" y="4800600"/>
+            <a:ext cx="137160" cy="137160"/>
+          </a:xfrm>
+          <a:prstGeom prst="ellipse">
+            <a:avLst/>
+          </a:prstGeom>
+          <a:solidFill>
+            <a:srgbClr val="06423A"/>
+          </a:solidFill>
+          <a:ln w="0">
+            <a:solidFill>
+              <a:srgbClr val="3465A4"/>
+            </a:solidFill>
+          </a:ln>
+        </p:spPr>
+        <p:style>
+          <a:lnRef idx="0">
+            <a:scrgbClr r="0" g="0" b="0"/>
+          </a:lnRef>
+          <a:fillRef idx="0">
+            <a:scrgbClr r="0" g="0" b="0"/>
+          </a:fillRef>
+          <a:effectRef idx="0">
+            <a:scrgbClr r="0" g="0" b="0"/>
+          </a:effectRef>
+          <a:fontRef idx="minor"/>
+        </p:style>
+        <p:txBody>
+          <a:bodyPr lIns="90000" tIns="45000" rIns="90000" bIns="45000" anchor="ctr">
+            <a:noAutofit/>
+          </a:bodyPr>
+          <a:lstStyle/>
+          <a:p>
+            <a:endParaRPr lang="en-US" sz="1800" b="0" strike="noStrike" spc="-1">
+              <a:solidFill>
+                <a:srgbClr val="FFFFFF"/>
+              </a:solidFill>
+              <a:latin typeface="Arial"/>
+            </a:endParaRPr>
+          </a:p>
+        </p:txBody>
+      </p:sp>
+      <p:sp>
+        <p:nvSpPr>
+          <p:cNvPr id="58" name="Oval 57"/>
+          <p:cNvSpPr/>
+          <p:nvPr/>
+        </p:nvSpPr>
+        <p:spPr>
+          <a:xfrm>
+            <a:off x="8215200" y="4800600"/>
+            <a:ext cx="137160" cy="137160"/>
+          </a:xfrm>
+          <a:prstGeom prst="ellipse">
+            <a:avLst/>
+          </a:prstGeom>
+          <a:solidFill>
+            <a:srgbClr val="06423A"/>
+          </a:solidFill>
+          <a:ln w="0">
+            <a:solidFill>
+              <a:srgbClr val="3465A4"/>
+            </a:solidFill>
+          </a:ln>
+        </p:spPr>
+        <p:style>
+          <a:lnRef idx="0">
+            <a:scrgbClr r="0" g="0" b="0"/>
+          </a:lnRef>
+          <a:fillRef idx="0">
+            <a:scrgbClr r="0" g="0" b="0"/>
+          </a:fillRef>
+          <a:effectRef idx="0">
+            <a:scrgbClr r="0" g="0" b="0"/>
+          </a:effectRef>
+          <a:fontRef idx="minor"/>
+        </p:style>
+        <p:txBody>
+          <a:bodyPr lIns="90000" tIns="45000" rIns="90000" bIns="45000" anchor="ctr">
+            <a:noAutofit/>
+          </a:bodyPr>
+          <a:lstStyle/>
+          <a:p>
+            <a:endParaRPr lang="en-US" sz="1800" b="0" strike="noStrike" spc="-1">
+              <a:solidFill>
+                <a:srgbClr val="FFFFFF"/>
+              </a:solidFill>
+              <a:latin typeface="Arial"/>
+            </a:endParaRPr>
+          </a:p>
+        </p:txBody>
+      </p:sp>
+      <p:sp>
+        <p:nvSpPr>
+          <p:cNvPr id="59" name="Oval 58"/>
+          <p:cNvSpPr/>
+          <p:nvPr/>
+        </p:nvSpPr>
+        <p:spPr>
+          <a:xfrm>
+            <a:off x="8467200" y="4800600"/>
+            <a:ext cx="137160" cy="137160"/>
+          </a:xfrm>
+          <a:prstGeom prst="ellipse">
+            <a:avLst/>
+          </a:prstGeom>
+          <a:solidFill>
+            <a:srgbClr val="06423A"/>
+          </a:solidFill>
+          <a:ln w="0">
+            <a:solidFill>
+              <a:srgbClr val="3465A4"/>
+            </a:solidFill>
+          </a:ln>
+        </p:spPr>
+        <p:style>
+          <a:lnRef idx="0">
+            <a:scrgbClr r="0" g="0" b="0"/>
+          </a:lnRef>
+          <a:fillRef idx="0">
+            <a:scrgbClr r="0" g="0" b="0"/>
+          </a:fillRef>
+          <a:effectRef idx="0">
+            <a:scrgbClr r="0" g="0" b="0"/>
+          </a:effectRef>
+          <a:fontRef idx="minor"/>
+        </p:style>
+        <p:txBody>
+          <a:bodyPr lIns="90000" tIns="45000" rIns="90000" bIns="45000" anchor="ctr">
+            <a:noAutofit/>
+          </a:bodyPr>
+          <a:lstStyle/>
+          <a:p>
+            <a:endParaRPr lang="en-US" sz="1800" b="0" strike="noStrike" spc="-1">
+              <a:solidFill>
+                <a:srgbClr val="FFFFFF"/>
+              </a:solidFill>
+              <a:latin typeface="Arial"/>
+            </a:endParaRPr>
+          </a:p>
+        </p:txBody>
+      </p:sp>
+      <p:pic>
+        <p:nvPicPr>
+          <p:cNvPr id="60" name="Picture 59"/>
           <p:cNvPicPr/>
           <p:nvPr/>
         </p:nvPicPr>
         <p:blipFill>
           <a:blip r:embed="rId7"/>
+          <a:srcRect l="36710" t="19517" r="32996" b="21522"/>
           <a:stretch/>
         </p:blipFill>
         <p:spPr>
-          <a:xfrm>
-            <a:off x="3634200" y="4608000"/>
-            <a:ext cx="685800" cy="685800"/>
+          <a:xfrm rot="16190400">
+            <a:off x="4741200" y="3357720"/>
+            <a:ext cx="1129320" cy="1270440"/>
           </a:xfrm>
           <a:prstGeom prst="rect">
             <a:avLst/>
@@ -3372,18 +4176,191 @@
       </p:pic>
       <p:pic>
         <p:nvPicPr>
-          <p:cNvPr id="52" name="" descr=""/>
+          <p:cNvPr id="61" name="Picture 60"/>
           <p:cNvPicPr/>
           <p:nvPr/>
         </p:nvPicPr>
         <p:blipFill>
           <a:blip r:embed="rId8"/>
+          <a:srcRect l="35674" t="18329" r="34030" b="21405"/>
           <a:stretch/>
         </p:blipFill>
         <p:spPr>
-          <a:xfrm>
-            <a:off x="5065200" y="4608000"/>
-            <a:ext cx="685800" cy="685800"/>
+          <a:xfrm rot="16180200">
+            <a:off x="8569440" y="3347640"/>
+            <a:ext cx="1135440" cy="1305360"/>
+          </a:xfrm>
+          <a:prstGeom prst="rect">
+            <a:avLst/>
+          </a:prstGeom>
+          <a:ln w="0">
+            <a:noFill/>
+          </a:ln>
+        </p:spPr>
+      </p:pic>
+      <p:sp>
+        <p:nvSpPr>
+          <p:cNvPr id="62" name="TextBox 61"/>
+          <p:cNvSpPr txBox="1"/>
+          <p:nvPr/>
+        </p:nvSpPr>
+        <p:spPr>
+          <a:xfrm>
+            <a:off x="5943600" y="4800600"/>
+            <a:ext cx="1081440" cy="346320"/>
+          </a:xfrm>
+          <a:prstGeom prst="rect">
+            <a:avLst/>
+          </a:prstGeom>
+          <a:noFill/>
+          <a:ln w="0">
+            <a:noFill/>
+          </a:ln>
+        </p:spPr>
+        <p:txBody>
+          <a:bodyPr lIns="90000" tIns="45000" rIns="90000" bIns="45000" anchor="t">
+            <a:noAutofit/>
+          </a:bodyPr>
+          <a:lstStyle/>
+          <a:p>
+            <a:r>
+              <a:rPr lang="en-US" sz="1800" b="0" strike="noStrike" spc="-1">
+                <a:solidFill>
+                  <a:srgbClr val="000000"/>
+                </a:solidFill>
+                <a:latin typeface="Arial"/>
+              </a:rPr>
+              <a:t>Datasets</a:t>
+            </a:r>
+          </a:p>
+        </p:txBody>
+      </p:sp>
+      <p:sp>
+        <p:nvSpPr>
+          <p:cNvPr id="63" name="TextBox 62"/>
+          <p:cNvSpPr txBox="1"/>
+          <p:nvPr/>
+        </p:nvSpPr>
+        <p:spPr>
+          <a:xfrm>
+            <a:off x="532439" y="5257800"/>
+            <a:ext cx="1220859" cy="346320"/>
+          </a:xfrm>
+          <a:prstGeom prst="rect">
+            <a:avLst/>
+          </a:prstGeom>
+          <a:noFill/>
+          <a:ln w="0">
+            <a:noFill/>
+          </a:ln>
+        </p:spPr>
+        <p:txBody>
+          <a:bodyPr lIns="90000" tIns="45000" rIns="90000" bIns="45000" anchor="t">
+            <a:noAutofit/>
+          </a:bodyPr>
+          <a:lstStyle/>
+          <a:p>
+            <a:r>
+              <a:rPr lang="en-US" sz="1800" b="0" strike="noStrike" spc="-1" dirty="0">
+                <a:solidFill>
+                  <a:srgbClr val="000000"/>
+                </a:solidFill>
+                <a:latin typeface="Arial"/>
+              </a:rPr>
+              <a:t>Clients  1</a:t>
+            </a:r>
+          </a:p>
+        </p:txBody>
+      </p:sp>
+      <p:sp>
+        <p:nvSpPr>
+          <p:cNvPr id="64" name="TextBox 63"/>
+          <p:cNvSpPr txBox="1"/>
+          <p:nvPr/>
+        </p:nvSpPr>
+        <p:spPr>
+          <a:xfrm>
+            <a:off x="2057400" y="5257800"/>
+            <a:ext cx="1227600" cy="346320"/>
+          </a:xfrm>
+          <a:prstGeom prst="rect">
+            <a:avLst/>
+          </a:prstGeom>
+          <a:noFill/>
+          <a:ln w="0">
+            <a:noFill/>
+          </a:ln>
+        </p:spPr>
+        <p:txBody>
+          <a:bodyPr lIns="90000" tIns="45000" rIns="90000" bIns="45000" anchor="t">
+            <a:noAutofit/>
+          </a:bodyPr>
+          <a:lstStyle/>
+          <a:p>
+            <a:r>
+              <a:rPr lang="en-US" sz="1800" b="0" strike="noStrike" spc="-1" dirty="0">
+                <a:solidFill>
+                  <a:srgbClr val="000000"/>
+                </a:solidFill>
+                <a:latin typeface="Arial"/>
+              </a:rPr>
+              <a:t>Clients 2</a:t>
+            </a:r>
+          </a:p>
+        </p:txBody>
+      </p:sp>
+      <p:sp>
+        <p:nvSpPr>
+          <p:cNvPr id="65" name="TextBox 64"/>
+          <p:cNvSpPr txBox="1"/>
+          <p:nvPr/>
+        </p:nvSpPr>
+        <p:spPr>
+          <a:xfrm>
+            <a:off x="508320" y="3156120"/>
+            <a:ext cx="1523520" cy="346320"/>
+          </a:xfrm>
+          <a:prstGeom prst="rect">
+            <a:avLst/>
+          </a:prstGeom>
+          <a:noFill/>
+          <a:ln w="0">
+            <a:noFill/>
+          </a:ln>
+        </p:spPr>
+        <p:txBody>
+          <a:bodyPr lIns="90000" tIns="45000" rIns="90000" bIns="45000" anchor="t">
+            <a:noAutofit/>
+          </a:bodyPr>
+          <a:lstStyle/>
+          <a:p>
+            <a:r>
+              <a:rPr lang="en-US" sz="1800" b="0" strike="noStrike" spc="-1">
+                <a:solidFill>
+                  <a:srgbClr val="000000"/>
+                </a:solidFill>
+                <a:latin typeface="Arial"/>
+              </a:rPr>
+              <a:t>Local Models</a:t>
+            </a:r>
+          </a:p>
+        </p:txBody>
+      </p:sp>
+      <p:pic>
+        <p:nvPicPr>
+          <p:cNvPr id="66" name="Picture 65"/>
+          <p:cNvPicPr/>
+          <p:nvPr/>
+        </p:nvPicPr>
+        <p:blipFill>
+          <a:blip r:embed="rId6"/>
+          <a:srcRect l="36662" t="13475" r="33335" b="23076"/>
+          <a:stretch/>
+        </p:blipFill>
+        <p:spPr>
+          <a:xfrm rot="16210800">
+            <a:off x="1045080" y="1680480"/>
+            <a:ext cx="1159920" cy="1418040"/>
           </a:xfrm>
           <a:prstGeom prst="rect">
             <a:avLst/>
@@ -3395,7 +4372,192 @@
       </p:pic>
       <p:pic>
         <p:nvPicPr>
-          <p:cNvPr id="53" name="" descr=""/>
+          <p:cNvPr id="67" name="Picture 66"/>
+          <p:cNvPicPr/>
+          <p:nvPr/>
+        </p:nvPicPr>
+        <p:blipFill>
+          <a:blip r:embed="rId8"/>
+          <a:srcRect l="35674" t="18329" r="34030" b="21405"/>
+          <a:stretch/>
+        </p:blipFill>
+        <p:spPr>
+          <a:xfrm rot="16180200">
+            <a:off x="2423880" y="1747440"/>
+            <a:ext cx="1135440" cy="1305360"/>
+          </a:xfrm>
+          <a:prstGeom prst="rect">
+            <a:avLst/>
+          </a:prstGeom>
+          <a:ln w="0">
+            <a:noFill/>
+          </a:ln>
+        </p:spPr>
+      </p:pic>
+      <p:pic>
+        <p:nvPicPr>
+          <p:cNvPr id="68" name="Picture 67"/>
+          <p:cNvPicPr/>
+          <p:nvPr/>
+        </p:nvPicPr>
+        <p:blipFill>
+          <a:blip r:embed="rId7"/>
+          <a:srcRect l="36710" t="19517" r="32996" b="21522"/>
+          <a:stretch/>
+        </p:blipFill>
+        <p:spPr>
+          <a:xfrm rot="16190400">
+            <a:off x="4644000" y="1760400"/>
+            <a:ext cx="1129320" cy="1270440"/>
+          </a:xfrm>
+          <a:prstGeom prst="rect">
+            <a:avLst/>
+          </a:prstGeom>
+          <a:ln w="0">
+            <a:noFill/>
+          </a:ln>
+        </p:spPr>
+      </p:pic>
+      <p:pic>
+        <p:nvPicPr>
+          <p:cNvPr id="69" name="Picture 68"/>
+          <p:cNvPicPr/>
+          <p:nvPr/>
+        </p:nvPicPr>
+        <p:blipFill>
+          <a:blip r:embed="rId5"/>
+          <a:srcRect l="36862" t="20146" r="32841" b="22189"/>
+          <a:stretch/>
+        </p:blipFill>
+        <p:spPr>
+          <a:xfrm rot="16200000">
+            <a:off x="5768280" y="1848600"/>
+            <a:ext cx="1069560" cy="1176480"/>
+          </a:xfrm>
+          <a:prstGeom prst="rect">
+            <a:avLst/>
+          </a:prstGeom>
+          <a:ln w="0">
+            <a:noFill/>
+          </a:ln>
+        </p:spPr>
+      </p:pic>
+      <p:pic>
+        <p:nvPicPr>
+          <p:cNvPr id="70" name="Picture 69"/>
+          <p:cNvPicPr/>
+          <p:nvPr/>
+        </p:nvPicPr>
+        <p:blipFill>
+          <a:blip r:embed="rId4"/>
+          <a:srcRect l="37278" t="20156" r="32432" b="20893"/>
+          <a:stretch/>
+        </p:blipFill>
+        <p:spPr>
+          <a:xfrm rot="16189200">
+            <a:off x="8168760" y="1767600"/>
+            <a:ext cx="1131480" cy="1272240"/>
+          </a:xfrm>
+          <a:prstGeom prst="rect">
+            <a:avLst/>
+          </a:prstGeom>
+          <a:ln w="0">
+            <a:noFill/>
+          </a:ln>
+        </p:spPr>
+      </p:pic>
+      <p:sp>
+        <p:nvSpPr>
+          <p:cNvPr id="71" name="Rectangle 70"/>
+          <p:cNvSpPr/>
+          <p:nvPr/>
+        </p:nvSpPr>
+        <p:spPr>
+          <a:xfrm>
+            <a:off x="7772400" y="1600200"/>
+            <a:ext cx="2057400" cy="1371600"/>
+          </a:xfrm>
+          <a:prstGeom prst="rect">
+            <a:avLst/>
+          </a:prstGeom>
+          <a:solidFill>
+            <a:srgbClr val="B4C7DC">
+              <a:alpha val="30000"/>
+            </a:srgbClr>
+          </a:solidFill>
+          <a:ln w="0">
+            <a:solidFill>
+              <a:srgbClr val="3465A4"/>
+            </a:solidFill>
+          </a:ln>
+        </p:spPr>
+        <p:style>
+          <a:lnRef idx="0">
+            <a:scrgbClr r="0" g="0" b="0"/>
+          </a:lnRef>
+          <a:fillRef idx="0">
+            <a:scrgbClr r="0" g="0" b="0"/>
+          </a:fillRef>
+          <a:effectRef idx="0">
+            <a:scrgbClr r="0" g="0" b="0"/>
+          </a:effectRef>
+          <a:fontRef idx="minor"/>
+        </p:style>
+        <p:txBody>
+          <a:bodyPr lIns="90000" tIns="45000" rIns="90000" bIns="45000" anchor="ctr">
+            <a:noAutofit/>
+          </a:bodyPr>
+          <a:lstStyle/>
+          <a:p>
+            <a:endParaRPr lang="en-US" sz="1800" b="0" strike="noStrike" spc="-1">
+              <a:solidFill>
+                <a:srgbClr val="000000"/>
+              </a:solidFill>
+              <a:latin typeface="Arial"/>
+            </a:endParaRPr>
+          </a:p>
+        </p:txBody>
+      </p:sp>
+      <p:sp>
+        <p:nvSpPr>
+          <p:cNvPr id="72" name="TextBox 71"/>
+          <p:cNvSpPr txBox="1"/>
+          <p:nvPr/>
+        </p:nvSpPr>
+        <p:spPr>
+          <a:xfrm>
+            <a:off x="533880" y="1600200"/>
+            <a:ext cx="1017360" cy="346320"/>
+          </a:xfrm>
+          <a:prstGeom prst="rect">
+            <a:avLst/>
+          </a:prstGeom>
+          <a:noFill/>
+          <a:ln w="0">
+            <a:noFill/>
+          </a:ln>
+        </p:spPr>
+        <p:txBody>
+          <a:bodyPr lIns="90000" tIns="45000" rIns="90000" bIns="45000" anchor="t">
+            <a:noAutofit/>
+          </a:bodyPr>
+          <a:lstStyle/>
+          <a:p>
+            <a:r>
+              <a:rPr lang="en-US" sz="1800" b="0" strike="noStrike" spc="-1">
+                <a:solidFill>
+                  <a:srgbClr val="000000"/>
+                </a:solidFill>
+                <a:latin typeface="Arial"/>
+              </a:rPr>
+              <a:t>Clusters</a:t>
+            </a:r>
+          </a:p>
+        </p:txBody>
+      </p:sp>
+      <p:pic>
+        <p:nvPicPr>
+          <p:cNvPr id="73" name="Picture 72"/>
           <p:cNvPicPr/>
           <p:nvPr/>
         </p:nvPicPr>
@@ -3405,8 +4567,8 @@
         </p:blipFill>
         <p:spPr>
           <a:xfrm>
-            <a:off x="8915400" y="4572000"/>
-            <a:ext cx="685800" cy="685800"/>
+            <a:off x="4343400" y="0"/>
+            <a:ext cx="3558240" cy="2057400"/>
           </a:xfrm>
           <a:prstGeom prst="rect">
             <a:avLst/>
@@ -3416,279 +4578,20 @@
           </a:ln>
         </p:spPr>
       </p:pic>
-      <p:sp>
-        <p:nvSpPr>
-          <p:cNvPr id="54" name=""/>
-          <p:cNvSpPr/>
-          <p:nvPr/>
-        </p:nvSpPr>
-        <p:spPr>
-          <a:xfrm>
-            <a:off x="7315200" y="4800600"/>
-            <a:ext cx="137160" cy="137160"/>
-          </a:xfrm>
-          <a:prstGeom prst="ellipse">
-            <a:avLst/>
-          </a:prstGeom>
-          <a:solidFill>
-            <a:srgbClr val="06423a"/>
-          </a:solidFill>
-          <a:ln w="0">
-            <a:solidFill>
-              <a:srgbClr val="3465a4"/>
-            </a:solidFill>
-          </a:ln>
-        </p:spPr>
-        <p:style>
-          <a:lnRef idx="0"/>
-          <a:fillRef idx="0"/>
-          <a:effectRef idx="0"/>
-          <a:fontRef idx="minor"/>
-        </p:style>
-        <p:txBody>
-          <a:bodyPr lIns="90000" rIns="90000" tIns="45000" bIns="45000" anchor="ctr">
-            <a:noAutofit/>
-          </a:bodyPr>
-          <a:p>
-            <a:endParaRPr b="0" lang="en-US" sz="1800" spc="-1" strike="noStrike">
-              <a:solidFill>
-                <a:srgbClr val="ffffff"/>
-              </a:solidFill>
-              <a:latin typeface="Arial"/>
-            </a:endParaRPr>
-          </a:p>
-        </p:txBody>
-      </p:sp>
-      <p:sp>
-        <p:nvSpPr>
-          <p:cNvPr id="55" name=""/>
-          <p:cNvSpPr/>
-          <p:nvPr/>
-        </p:nvSpPr>
-        <p:spPr>
-          <a:xfrm>
-            <a:off x="7531200" y="4800600"/>
-            <a:ext cx="137160" cy="137160"/>
-          </a:xfrm>
-          <a:prstGeom prst="ellipse">
-            <a:avLst/>
-          </a:prstGeom>
-          <a:solidFill>
-            <a:srgbClr val="06423a"/>
-          </a:solidFill>
-          <a:ln w="0">
-            <a:solidFill>
-              <a:srgbClr val="3465a4"/>
-            </a:solidFill>
-          </a:ln>
-        </p:spPr>
-        <p:style>
-          <a:lnRef idx="0"/>
-          <a:fillRef idx="0"/>
-          <a:effectRef idx="0"/>
-          <a:fontRef idx="minor"/>
-        </p:style>
-        <p:txBody>
-          <a:bodyPr lIns="90000" rIns="90000" tIns="45000" bIns="45000" anchor="ctr">
-            <a:noAutofit/>
-          </a:bodyPr>
-          <a:p>
-            <a:endParaRPr b="0" lang="en-US" sz="1800" spc="-1" strike="noStrike">
-              <a:solidFill>
-                <a:srgbClr val="ffffff"/>
-              </a:solidFill>
-              <a:latin typeface="Arial"/>
-            </a:endParaRPr>
-          </a:p>
-        </p:txBody>
-      </p:sp>
-      <p:sp>
-        <p:nvSpPr>
-          <p:cNvPr id="56" name=""/>
-          <p:cNvSpPr/>
-          <p:nvPr/>
-        </p:nvSpPr>
-        <p:spPr>
-          <a:xfrm>
-            <a:off x="7747200" y="4800600"/>
-            <a:ext cx="137160" cy="137160"/>
-          </a:xfrm>
-          <a:prstGeom prst="ellipse">
-            <a:avLst/>
-          </a:prstGeom>
-          <a:solidFill>
-            <a:srgbClr val="06423a"/>
-          </a:solidFill>
-          <a:ln w="0">
-            <a:solidFill>
-              <a:srgbClr val="3465a4"/>
-            </a:solidFill>
-          </a:ln>
-        </p:spPr>
-        <p:style>
-          <a:lnRef idx="0"/>
-          <a:fillRef idx="0"/>
-          <a:effectRef idx="0"/>
-          <a:fontRef idx="minor"/>
-        </p:style>
-        <p:txBody>
-          <a:bodyPr lIns="90000" rIns="90000" tIns="45000" bIns="45000" anchor="ctr">
-            <a:noAutofit/>
-          </a:bodyPr>
-          <a:p>
-            <a:endParaRPr b="0" lang="en-US" sz="1800" spc="-1" strike="noStrike">
-              <a:solidFill>
-                <a:srgbClr val="ffffff"/>
-              </a:solidFill>
-              <a:latin typeface="Arial"/>
-            </a:endParaRPr>
-          </a:p>
-        </p:txBody>
-      </p:sp>
-      <p:sp>
-        <p:nvSpPr>
-          <p:cNvPr id="57" name=""/>
-          <p:cNvSpPr/>
-          <p:nvPr/>
-        </p:nvSpPr>
-        <p:spPr>
-          <a:xfrm>
-            <a:off x="7963200" y="4800600"/>
-            <a:ext cx="137160" cy="137160"/>
-          </a:xfrm>
-          <a:prstGeom prst="ellipse">
-            <a:avLst/>
-          </a:prstGeom>
-          <a:solidFill>
-            <a:srgbClr val="06423a"/>
-          </a:solidFill>
-          <a:ln w="0">
-            <a:solidFill>
-              <a:srgbClr val="3465a4"/>
-            </a:solidFill>
-          </a:ln>
-        </p:spPr>
-        <p:style>
-          <a:lnRef idx="0"/>
-          <a:fillRef idx="0"/>
-          <a:effectRef idx="0"/>
-          <a:fontRef idx="minor"/>
-        </p:style>
-        <p:txBody>
-          <a:bodyPr lIns="90000" rIns="90000" tIns="45000" bIns="45000" anchor="ctr">
-            <a:noAutofit/>
-          </a:bodyPr>
-          <a:p>
-            <a:endParaRPr b="0" lang="en-US" sz="1800" spc="-1" strike="noStrike">
-              <a:solidFill>
-                <a:srgbClr val="ffffff"/>
-              </a:solidFill>
-              <a:latin typeface="Arial"/>
-            </a:endParaRPr>
-          </a:p>
-        </p:txBody>
-      </p:sp>
-      <p:sp>
-        <p:nvSpPr>
-          <p:cNvPr id="58" name=""/>
-          <p:cNvSpPr/>
-          <p:nvPr/>
-        </p:nvSpPr>
-        <p:spPr>
-          <a:xfrm>
-            <a:off x="8215200" y="4800600"/>
-            <a:ext cx="137160" cy="137160"/>
-          </a:xfrm>
-          <a:prstGeom prst="ellipse">
-            <a:avLst/>
-          </a:prstGeom>
-          <a:solidFill>
-            <a:srgbClr val="06423a"/>
-          </a:solidFill>
-          <a:ln w="0">
-            <a:solidFill>
-              <a:srgbClr val="3465a4"/>
-            </a:solidFill>
-          </a:ln>
-        </p:spPr>
-        <p:style>
-          <a:lnRef idx="0"/>
-          <a:fillRef idx="0"/>
-          <a:effectRef idx="0"/>
-          <a:fontRef idx="minor"/>
-        </p:style>
-        <p:txBody>
-          <a:bodyPr lIns="90000" rIns="90000" tIns="45000" bIns="45000" anchor="ctr">
-            <a:noAutofit/>
-          </a:bodyPr>
-          <a:p>
-            <a:endParaRPr b="0" lang="en-US" sz="1800" spc="-1" strike="noStrike">
-              <a:solidFill>
-                <a:srgbClr val="ffffff"/>
-              </a:solidFill>
-              <a:latin typeface="Arial"/>
-            </a:endParaRPr>
-          </a:p>
-        </p:txBody>
-      </p:sp>
-      <p:sp>
-        <p:nvSpPr>
-          <p:cNvPr id="59" name=""/>
-          <p:cNvSpPr/>
-          <p:nvPr/>
-        </p:nvSpPr>
-        <p:spPr>
-          <a:xfrm>
-            <a:off x="8467200" y="4800600"/>
-            <a:ext cx="137160" cy="137160"/>
-          </a:xfrm>
-          <a:prstGeom prst="ellipse">
-            <a:avLst/>
-          </a:prstGeom>
-          <a:solidFill>
-            <a:srgbClr val="06423a"/>
-          </a:solidFill>
-          <a:ln w="0">
-            <a:solidFill>
-              <a:srgbClr val="3465a4"/>
-            </a:solidFill>
-          </a:ln>
-        </p:spPr>
-        <p:style>
-          <a:lnRef idx="0"/>
-          <a:fillRef idx="0"/>
-          <a:effectRef idx="0"/>
-          <a:fontRef idx="minor"/>
-        </p:style>
-        <p:txBody>
-          <a:bodyPr lIns="90000" rIns="90000" tIns="45000" bIns="45000" anchor="ctr">
-            <a:noAutofit/>
-          </a:bodyPr>
-          <a:p>
-            <a:endParaRPr b="0" lang="en-US" sz="1800" spc="-1" strike="noStrike">
-              <a:solidFill>
-                <a:srgbClr val="ffffff"/>
-              </a:solidFill>
-              <a:latin typeface="Arial"/>
-            </a:endParaRPr>
-          </a:p>
-        </p:txBody>
-      </p:sp>
       <p:pic>
         <p:nvPicPr>
-          <p:cNvPr id="60" name="" descr=""/>
+          <p:cNvPr id="74" name="Picture 73"/>
           <p:cNvPicPr/>
           <p:nvPr/>
         </p:nvPicPr>
         <p:blipFill>
           <a:blip r:embed="rId10"/>
-          <a:srcRect l="36710" t="19517" r="32996" b="21522"/>
           <a:stretch/>
         </p:blipFill>
         <p:spPr>
-          <a:xfrm rot="16190400">
-            <a:off x="4741200" y="3357720"/>
-            <a:ext cx="1129320" cy="1270440"/>
+          <a:xfrm>
+            <a:off x="4503600" y="388800"/>
+            <a:ext cx="982800" cy="982800"/>
           </a:xfrm>
           <a:prstGeom prst="rect">
             <a:avLst/>
@@ -3700,19 +4603,18 @@
       </p:pic>
       <p:pic>
         <p:nvPicPr>
-          <p:cNvPr id="61" name="" descr=""/>
+          <p:cNvPr id="75" name="Picture 74"/>
           <p:cNvPicPr/>
           <p:nvPr/>
         </p:nvPicPr>
         <p:blipFill>
           <a:blip r:embed="rId11"/>
-          <a:srcRect l="35674" t="18329" r="34030" b="21405"/>
           <a:stretch/>
         </p:blipFill>
         <p:spPr>
-          <a:xfrm rot="16180200">
-            <a:off x="8569440" y="3347640"/>
-            <a:ext cx="1135440" cy="1305360"/>
+          <a:xfrm>
+            <a:off x="457200" y="160200"/>
+            <a:ext cx="1211400" cy="1211400"/>
           </a:xfrm>
           <a:prstGeom prst="rect">
             <a:avLst/>
@@ -3722,189 +4624,20 @@
           </a:ln>
         </p:spPr>
       </p:pic>
-      <p:sp>
-        <p:nvSpPr>
-          <p:cNvPr id="62" name=""/>
-          <p:cNvSpPr txBox="1"/>
-          <p:nvPr/>
-        </p:nvSpPr>
-        <p:spPr>
-          <a:xfrm>
-            <a:off x="5943600" y="4800600"/>
-            <a:ext cx="1081440" cy="346320"/>
-          </a:xfrm>
-          <a:prstGeom prst="rect">
-            <a:avLst/>
-          </a:prstGeom>
-          <a:noFill/>
-          <a:ln w="0">
-            <a:noFill/>
-          </a:ln>
-        </p:spPr>
-        <p:txBody>
-          <a:bodyPr lIns="90000" rIns="90000" tIns="45000" bIns="45000" anchor="t">
-            <a:noAutofit/>
-          </a:bodyPr>
-          <a:p>
-            <a:r>
-              <a:rPr b="0" lang="en-US" sz="1800" spc="-1" strike="noStrike">
-                <a:solidFill>
-                  <a:srgbClr val="000000"/>
-                </a:solidFill>
-                <a:latin typeface="Arial"/>
-              </a:rPr>
-              <a:t>Datasets</a:t>
-            </a:r>
-            <a:endParaRPr b="0" lang="en-US" sz="1800" spc="-1" strike="noStrike">
-              <a:solidFill>
-                <a:srgbClr val="000000"/>
-              </a:solidFill>
-              <a:latin typeface="Arial"/>
-            </a:endParaRPr>
-          </a:p>
-        </p:txBody>
-      </p:sp>
-      <p:sp>
-        <p:nvSpPr>
-          <p:cNvPr id="63" name=""/>
-          <p:cNvSpPr txBox="1"/>
-          <p:nvPr/>
-        </p:nvSpPr>
-        <p:spPr>
-          <a:xfrm>
-            <a:off x="532440" y="5257800"/>
-            <a:ext cx="1067760" cy="346320"/>
-          </a:xfrm>
-          <a:prstGeom prst="rect">
-            <a:avLst/>
-          </a:prstGeom>
-          <a:noFill/>
-          <a:ln w="0">
-            <a:noFill/>
-          </a:ln>
-        </p:spPr>
-        <p:txBody>
-          <a:bodyPr lIns="90000" rIns="90000" tIns="45000" bIns="45000" anchor="t">
-            <a:noAutofit/>
-          </a:bodyPr>
-          <a:p>
-            <a:r>
-              <a:rPr b="0" lang="en-US" sz="1800" spc="-1" strike="noStrike">
-                <a:solidFill>
-                  <a:srgbClr val="000000"/>
-                </a:solidFill>
-                <a:latin typeface="Arial"/>
-              </a:rPr>
-              <a:t>Clients 1</a:t>
-            </a:r>
-            <a:endParaRPr b="0" lang="en-US" sz="1800" spc="-1" strike="noStrike">
-              <a:solidFill>
-                <a:srgbClr val="000000"/>
-              </a:solidFill>
-              <a:latin typeface="Arial"/>
-            </a:endParaRPr>
-          </a:p>
-        </p:txBody>
-      </p:sp>
-      <p:sp>
-        <p:nvSpPr>
-          <p:cNvPr id="64" name=""/>
-          <p:cNvSpPr txBox="1"/>
-          <p:nvPr/>
-        </p:nvSpPr>
-        <p:spPr>
-          <a:xfrm>
-            <a:off x="2057400" y="5257800"/>
-            <a:ext cx="1067760" cy="346320"/>
-          </a:xfrm>
-          <a:prstGeom prst="rect">
-            <a:avLst/>
-          </a:prstGeom>
-          <a:noFill/>
-          <a:ln w="0">
-            <a:noFill/>
-          </a:ln>
-        </p:spPr>
-        <p:txBody>
-          <a:bodyPr lIns="90000" rIns="90000" tIns="45000" bIns="45000" anchor="t">
-            <a:noAutofit/>
-          </a:bodyPr>
-          <a:p>
-            <a:r>
-              <a:rPr b="0" lang="en-US" sz="1800" spc="-1" strike="noStrike">
-                <a:solidFill>
-                  <a:srgbClr val="000000"/>
-                </a:solidFill>
-                <a:latin typeface="Arial"/>
-              </a:rPr>
-              <a:t>Clients 2</a:t>
-            </a:r>
-            <a:endParaRPr b="0" lang="en-US" sz="1800" spc="-1" strike="noStrike">
-              <a:solidFill>
-                <a:srgbClr val="000000"/>
-              </a:solidFill>
-              <a:latin typeface="Arial"/>
-            </a:endParaRPr>
-          </a:p>
-        </p:txBody>
-      </p:sp>
-      <p:sp>
-        <p:nvSpPr>
-          <p:cNvPr id="65" name=""/>
-          <p:cNvSpPr txBox="1"/>
-          <p:nvPr/>
-        </p:nvSpPr>
-        <p:spPr>
-          <a:xfrm>
-            <a:off x="508320" y="3156120"/>
-            <a:ext cx="1523520" cy="346320"/>
-          </a:xfrm>
-          <a:prstGeom prst="rect">
-            <a:avLst/>
-          </a:prstGeom>
-          <a:noFill/>
-          <a:ln w="0">
-            <a:noFill/>
-          </a:ln>
-        </p:spPr>
-        <p:txBody>
-          <a:bodyPr lIns="90000" rIns="90000" tIns="45000" bIns="45000" anchor="t">
-            <a:noAutofit/>
-          </a:bodyPr>
-          <a:p>
-            <a:r>
-              <a:rPr b="0" lang="en-US" sz="1800" spc="-1" strike="noStrike">
-                <a:solidFill>
-                  <a:srgbClr val="000000"/>
-                </a:solidFill>
-                <a:latin typeface="Arial"/>
-              </a:rPr>
-              <a:t>Local Models</a:t>
-            </a:r>
-            <a:endParaRPr b="0" lang="en-US" sz="1800" spc="-1" strike="noStrike">
-              <a:solidFill>
-                <a:srgbClr val="000000"/>
-              </a:solidFill>
-              <a:latin typeface="Arial"/>
-            </a:endParaRPr>
-          </a:p>
-        </p:txBody>
-      </p:sp>
       <p:pic>
         <p:nvPicPr>
-          <p:cNvPr id="66" name="" descr=""/>
+          <p:cNvPr id="76" name="Picture 75"/>
           <p:cNvPicPr/>
           <p:nvPr/>
         </p:nvPicPr>
         <p:blipFill>
           <a:blip r:embed="rId12"/>
-          <a:srcRect l="36662" t="13475" r="33335" b="23076"/>
           <a:stretch/>
         </p:blipFill>
         <p:spPr>
-          <a:xfrm rot="16210800">
-            <a:off x="1045080" y="1680480"/>
-            <a:ext cx="1159920" cy="1418040"/>
+          <a:xfrm>
+            <a:off x="2971800" y="228600"/>
+            <a:ext cx="1143000" cy="1143000"/>
           </a:xfrm>
           <a:prstGeom prst="rect">
             <a:avLst/>
@@ -3916,19 +4649,18 @@
       </p:pic>
       <p:pic>
         <p:nvPicPr>
-          <p:cNvPr id="67" name="" descr=""/>
+          <p:cNvPr id="77" name="Picture 76"/>
           <p:cNvPicPr/>
           <p:nvPr/>
         </p:nvPicPr>
         <p:blipFill>
           <a:blip r:embed="rId13"/>
-          <a:srcRect l="35674" t="18329" r="34030" b="21405"/>
           <a:stretch/>
         </p:blipFill>
         <p:spPr>
-          <a:xfrm rot="16180200">
-            <a:off x="2423880" y="1747440"/>
-            <a:ext cx="1135440" cy="1305360"/>
+          <a:xfrm>
+            <a:off x="1828800" y="457200"/>
+            <a:ext cx="914400" cy="914400"/>
           </a:xfrm>
           <a:prstGeom prst="rect">
             <a:avLst/>
@@ -3940,286 +4672,12 @@
       </p:pic>
       <p:pic>
         <p:nvPicPr>
-          <p:cNvPr id="68" name="" descr=""/>
+          <p:cNvPr id="78" name="Picture 77"/>
           <p:cNvPicPr/>
           <p:nvPr/>
         </p:nvPicPr>
         <p:blipFill>
           <a:blip r:embed="rId14"/>
-          <a:srcRect l="36710" t="19517" r="32996" b="21522"/>
-          <a:stretch/>
-        </p:blipFill>
-        <p:spPr>
-          <a:xfrm rot="16190400">
-            <a:off x="4644000" y="1760400"/>
-            <a:ext cx="1129320" cy="1270440"/>
-          </a:xfrm>
-          <a:prstGeom prst="rect">
-            <a:avLst/>
-          </a:prstGeom>
-          <a:ln w="0">
-            <a:noFill/>
-          </a:ln>
-        </p:spPr>
-      </p:pic>
-      <p:pic>
-        <p:nvPicPr>
-          <p:cNvPr id="69" name="" descr=""/>
-          <p:cNvPicPr/>
-          <p:nvPr/>
-        </p:nvPicPr>
-        <p:blipFill>
-          <a:blip r:embed="rId15"/>
-          <a:srcRect l="36862" t="20146" r="32841" b="22189"/>
-          <a:stretch/>
-        </p:blipFill>
-        <p:spPr>
-          <a:xfrm rot="16200000">
-            <a:off x="5768280" y="1848600"/>
-            <a:ext cx="1069560" cy="1176480"/>
-          </a:xfrm>
-          <a:prstGeom prst="rect">
-            <a:avLst/>
-          </a:prstGeom>
-          <a:ln w="0">
-            <a:noFill/>
-          </a:ln>
-        </p:spPr>
-      </p:pic>
-      <p:pic>
-        <p:nvPicPr>
-          <p:cNvPr id="70" name="" descr=""/>
-          <p:cNvPicPr/>
-          <p:nvPr/>
-        </p:nvPicPr>
-        <p:blipFill>
-          <a:blip r:embed="rId16"/>
-          <a:srcRect l="37278" t="20156" r="32432" b="20893"/>
-          <a:stretch/>
-        </p:blipFill>
-        <p:spPr>
-          <a:xfrm rot="16189200">
-            <a:off x="8168760" y="1767600"/>
-            <a:ext cx="1131480" cy="1272240"/>
-          </a:xfrm>
-          <a:prstGeom prst="rect">
-            <a:avLst/>
-          </a:prstGeom>
-          <a:ln w="0">
-            <a:noFill/>
-          </a:ln>
-        </p:spPr>
-      </p:pic>
-      <p:sp>
-        <p:nvSpPr>
-          <p:cNvPr id="71" name=""/>
-          <p:cNvSpPr/>
-          <p:nvPr/>
-        </p:nvSpPr>
-        <p:spPr>
-          <a:xfrm>
-            <a:off x="7772400" y="1600200"/>
-            <a:ext cx="2057400" cy="1371600"/>
-          </a:xfrm>
-          <a:prstGeom prst="rect">
-            <a:avLst/>
-          </a:prstGeom>
-          <a:solidFill>
-            <a:srgbClr val="b4c7dc">
-              <a:alpha val="30000"/>
-            </a:srgbClr>
-          </a:solidFill>
-          <a:ln w="0">
-            <a:solidFill>
-              <a:srgbClr val="3465a4"/>
-            </a:solidFill>
-          </a:ln>
-        </p:spPr>
-        <p:style>
-          <a:lnRef idx="0"/>
-          <a:fillRef idx="0"/>
-          <a:effectRef idx="0"/>
-          <a:fontRef idx="minor"/>
-        </p:style>
-        <p:txBody>
-          <a:bodyPr lIns="90000" rIns="90000" tIns="45000" bIns="45000" anchor="ctr">
-            <a:noAutofit/>
-          </a:bodyPr>
-          <a:p>
-            <a:endParaRPr b="0" lang="en-US" sz="1800" spc="-1" strike="noStrike">
-              <a:solidFill>
-                <a:srgbClr val="000000"/>
-              </a:solidFill>
-              <a:latin typeface="Arial"/>
-            </a:endParaRPr>
-          </a:p>
-        </p:txBody>
-      </p:sp>
-      <p:sp>
-        <p:nvSpPr>
-          <p:cNvPr id="72" name=""/>
-          <p:cNvSpPr txBox="1"/>
-          <p:nvPr/>
-        </p:nvSpPr>
-        <p:spPr>
-          <a:xfrm>
-            <a:off x="533880" y="1600200"/>
-            <a:ext cx="1017360" cy="346320"/>
-          </a:xfrm>
-          <a:prstGeom prst="rect">
-            <a:avLst/>
-          </a:prstGeom>
-          <a:noFill/>
-          <a:ln w="0">
-            <a:noFill/>
-          </a:ln>
-        </p:spPr>
-        <p:txBody>
-          <a:bodyPr lIns="90000" rIns="90000" tIns="45000" bIns="45000" anchor="t">
-            <a:noAutofit/>
-          </a:bodyPr>
-          <a:p>
-            <a:r>
-              <a:rPr b="0" lang="en-US" sz="1800" spc="-1" strike="noStrike">
-                <a:solidFill>
-                  <a:srgbClr val="000000"/>
-                </a:solidFill>
-                <a:latin typeface="Arial"/>
-              </a:rPr>
-              <a:t>Clusters</a:t>
-            </a:r>
-            <a:endParaRPr b="0" lang="en-US" sz="1800" spc="-1" strike="noStrike">
-              <a:solidFill>
-                <a:srgbClr val="000000"/>
-              </a:solidFill>
-              <a:latin typeface="Arial"/>
-            </a:endParaRPr>
-          </a:p>
-        </p:txBody>
-      </p:sp>
-      <p:pic>
-        <p:nvPicPr>
-          <p:cNvPr id="73" name="" descr=""/>
-          <p:cNvPicPr/>
-          <p:nvPr/>
-        </p:nvPicPr>
-        <p:blipFill>
-          <a:blip r:embed="rId17"/>
-          <a:stretch/>
-        </p:blipFill>
-        <p:spPr>
-          <a:xfrm>
-            <a:off x="4343400" y="0"/>
-            <a:ext cx="3558240" cy="2057400"/>
-          </a:xfrm>
-          <a:prstGeom prst="rect">
-            <a:avLst/>
-          </a:prstGeom>
-          <a:ln w="0">
-            <a:noFill/>
-          </a:ln>
-        </p:spPr>
-      </p:pic>
-      <p:pic>
-        <p:nvPicPr>
-          <p:cNvPr id="74" name="" descr=""/>
-          <p:cNvPicPr/>
-          <p:nvPr/>
-        </p:nvPicPr>
-        <p:blipFill>
-          <a:blip r:embed="rId18"/>
-          <a:stretch/>
-        </p:blipFill>
-        <p:spPr>
-          <a:xfrm>
-            <a:off x="4503600" y="388800"/>
-            <a:ext cx="982800" cy="982800"/>
-          </a:xfrm>
-          <a:prstGeom prst="rect">
-            <a:avLst/>
-          </a:prstGeom>
-          <a:ln w="0">
-            <a:noFill/>
-          </a:ln>
-        </p:spPr>
-      </p:pic>
-      <p:pic>
-        <p:nvPicPr>
-          <p:cNvPr id="75" name="" descr=""/>
-          <p:cNvPicPr/>
-          <p:nvPr/>
-        </p:nvPicPr>
-        <p:blipFill>
-          <a:blip r:embed="rId19"/>
-          <a:stretch/>
-        </p:blipFill>
-        <p:spPr>
-          <a:xfrm>
-            <a:off x="457200" y="160200"/>
-            <a:ext cx="1211400" cy="1211400"/>
-          </a:xfrm>
-          <a:prstGeom prst="rect">
-            <a:avLst/>
-          </a:prstGeom>
-          <a:ln w="0">
-            <a:noFill/>
-          </a:ln>
-        </p:spPr>
-      </p:pic>
-      <p:pic>
-        <p:nvPicPr>
-          <p:cNvPr id="76" name="" descr=""/>
-          <p:cNvPicPr/>
-          <p:nvPr/>
-        </p:nvPicPr>
-        <p:blipFill>
-          <a:blip r:embed="rId20"/>
-          <a:stretch/>
-        </p:blipFill>
-        <p:spPr>
-          <a:xfrm>
-            <a:off x="2971800" y="228600"/>
-            <a:ext cx="1143000" cy="1143000"/>
-          </a:xfrm>
-          <a:prstGeom prst="rect">
-            <a:avLst/>
-          </a:prstGeom>
-          <a:ln w="0">
-            <a:noFill/>
-          </a:ln>
-        </p:spPr>
-      </p:pic>
-      <p:pic>
-        <p:nvPicPr>
-          <p:cNvPr id="77" name="" descr=""/>
-          <p:cNvPicPr/>
-          <p:nvPr/>
-        </p:nvPicPr>
-        <p:blipFill>
-          <a:blip r:embed="rId21"/>
-          <a:stretch/>
-        </p:blipFill>
-        <p:spPr>
-          <a:xfrm>
-            <a:off x="1828800" y="457200"/>
-            <a:ext cx="914400" cy="914400"/>
-          </a:xfrm>
-          <a:prstGeom prst="rect">
-            <a:avLst/>
-          </a:prstGeom>
-          <a:ln w="0">
-            <a:noFill/>
-          </a:ln>
-        </p:spPr>
-      </p:pic>
-      <p:pic>
-        <p:nvPicPr>
-          <p:cNvPr id="78" name="" descr=""/>
-          <p:cNvPicPr/>
-          <p:nvPr/>
-        </p:nvPicPr>
-        <p:blipFill>
-          <a:blip r:embed="rId22"/>
           <a:stretch/>
         </p:blipFill>
         <p:spPr>
@@ -4237,14 +4695,9 @@
       </p:pic>
     </p:spTree>
   </p:cSld>
-  <mc:AlternateContent>
-    <mc:Choice Requires="p14">
-      <p:transition spd="slow" p14:dur="2000"/>
-    </mc:Choice>
-    <mc:Fallback>
-      <p:transition spd="slow"/>
-    </mc:Fallback>
-  </mc:AlternateContent>
+  <p:clrMapOvr>
+    <a:masterClrMapping/>
+  </p:clrMapOvr>
 </p:sld>
 </file>
 
@@ -4259,31 +4712,31 @@
         <a:sysClr val="window" lastClr="FFFFFF"/>
       </a:lt1>
       <a:dk2>
-        <a:srgbClr val="1f497d"/>
+        <a:srgbClr val="1F497D"/>
       </a:dk2>
       <a:lt2>
-        <a:srgbClr val="eeece1"/>
+        <a:srgbClr val="EEECE1"/>
       </a:lt2>
       <a:accent1>
-        <a:srgbClr val="4f81bd"/>
+        <a:srgbClr val="4F81BD"/>
       </a:accent1>
       <a:accent2>
-        <a:srgbClr val="c0504d"/>
+        <a:srgbClr val="C0504D"/>
       </a:accent2>
       <a:accent3>
-        <a:srgbClr val="9bbb59"/>
+        <a:srgbClr val="9BBB59"/>
       </a:accent3>
       <a:accent4>
-        <a:srgbClr val="8064a2"/>
+        <a:srgbClr val="8064A2"/>
       </a:accent4>
       <a:accent5>
-        <a:srgbClr val="4bacc6"/>
+        <a:srgbClr val="4BACC6"/>
       </a:accent5>
       <a:accent6>
-        <a:srgbClr val="f79646"/>
+        <a:srgbClr val="F79646"/>
       </a:accent6>
       <a:hlink>
-        <a:srgbClr val="0000ff"/>
+        <a:srgbClr val="0000FF"/>
       </a:hlink>
       <a:folHlink>
         <a:srgbClr val="800080"/>
@@ -4448,5 +4901,7 @@
       </a:bgFillStyleLst>
     </a:fmtScheme>
   </a:themeElements>
+  <a:objectDefaults/>
+  <a:extraClrSchemeLst/>
 </a:theme>
 </file>